--- a/inna/Занятие 2.pptx
+++ b/inna/Занятие 2.pptx
@@ -5,7 +5,7 @@
     <p:sldMasterId id="2147483648" r:id="rId1"/>
   </p:sldMasterIdLst>
   <p:notesMasterIdLst>
-    <p:notesMasterId r:id="rId14"/>
+    <p:notesMasterId r:id="rId16"/>
   </p:notesMasterIdLst>
   <p:sldIdLst>
     <p:sldId id="280" r:id="rId2"/>
@@ -15,11 +15,13 @@
     <p:sldId id="329" r:id="rId6"/>
     <p:sldId id="330" r:id="rId7"/>
     <p:sldId id="331" r:id="rId8"/>
-    <p:sldId id="325" r:id="rId9"/>
-    <p:sldId id="326" r:id="rId10"/>
-    <p:sldId id="327" r:id="rId11"/>
-    <p:sldId id="328" r:id="rId12"/>
-    <p:sldId id="286" r:id="rId13"/>
+    <p:sldId id="332" r:id="rId9"/>
+    <p:sldId id="333" r:id="rId10"/>
+    <p:sldId id="325" r:id="rId11"/>
+    <p:sldId id="326" r:id="rId12"/>
+    <p:sldId id="327" r:id="rId13"/>
+    <p:sldId id="328" r:id="rId14"/>
+    <p:sldId id="286" r:id="rId15"/>
   </p:sldIdLst>
   <p:sldSz cx="9144000" cy="6858000" type="screen4x3"/>
   <p:notesSz cx="6858000" cy="9144000"/>
@@ -120,7 +122,7 @@
   </p:defaultTextStyle>
   <p:extLst>
     <p:ext uri="{EFAFB233-063F-42B5-8137-9DF3F51BA10A}">
-      <p15:sldGuideLst xmlns="" xmlns:p15="http://schemas.microsoft.com/office/powerpoint/2012/main">
+      <p15:sldGuideLst xmlns:p15="http://schemas.microsoft.com/office/powerpoint/2012/main" xmlns="">
         <p15:guide id="1" orient="horz" pos="2160">
           <p15:clr>
             <a:srgbClr val="A4A3A4"/>
@@ -220,7 +222,7 @@
             <a:fld id="{7FCDCAFE-ED6D-40DE-BB2A-6C2FAE0E1B23}" type="datetimeFigureOut">
               <a:rPr lang="en-US" smtClean="0"/>
               <a:pPr/>
-              <a:t>24-Dec-14</a:t>
+              <a:t>01-Jan-15</a:t>
             </a:fld>
             <a:endParaRPr lang="en-US"/>
           </a:p>
@@ -389,7 +391,7 @@
     </p:spTree>
     <p:extLst>
       <p:ext uri="{BB962C8B-B14F-4D97-AF65-F5344CB8AC3E}">
-        <p14:creationId xmlns="" xmlns:p14="http://schemas.microsoft.com/office/powerpoint/2010/main" val="616035265"/>
+        <p14:creationId xmlns:p14="http://schemas.microsoft.com/office/powerpoint/2010/main" xmlns="" val="616035265"/>
       </p:ext>
     </p:extLst>
   </p:cSld>
@@ -589,6 +591,170 @@
 </p:notes>
 </file>
 
+<file path=ppt/notesSlides/notesSlide10.xml><?xml version="1.0" encoding="utf-8"?>
+<p:notes xmlns:a="http://schemas.openxmlformats.org/drawingml/2006/main" xmlns:r="http://schemas.openxmlformats.org/officeDocument/2006/relationships" xmlns:p="http://schemas.openxmlformats.org/presentationml/2006/main">
+  <p:cSld>
+    <p:spTree>
+      <p:nvGrpSpPr>
+        <p:cNvPr id="1" name=""/>
+        <p:cNvGrpSpPr/>
+        <p:nvPr/>
+      </p:nvGrpSpPr>
+      <p:grpSpPr>
+        <a:xfrm>
+          <a:off x="0" y="0"/>
+          <a:ext cx="0" cy="0"/>
+          <a:chOff x="0" y="0"/>
+          <a:chExt cx="0" cy="0"/>
+        </a:xfrm>
+      </p:grpSpPr>
+      <p:sp>
+        <p:nvSpPr>
+          <p:cNvPr id="2" name="Образ слайда 1"/>
+          <p:cNvSpPr>
+            <a:spLocks noGrp="1" noRot="1" noChangeAspect="1"/>
+          </p:cNvSpPr>
+          <p:nvPr>
+            <p:ph type="sldImg"/>
+          </p:nvPr>
+        </p:nvSpPr>
+        <p:spPr/>
+      </p:sp>
+      <p:sp>
+        <p:nvSpPr>
+          <p:cNvPr id="3" name="Заметки 2"/>
+          <p:cNvSpPr>
+            <a:spLocks noGrp="1"/>
+          </p:cNvSpPr>
+          <p:nvPr>
+            <p:ph type="body" idx="1"/>
+          </p:nvPr>
+        </p:nvSpPr>
+        <p:spPr/>
+        <p:txBody>
+          <a:bodyPr>
+            <a:normAutofit fontScale="92500"/>
+          </a:bodyPr>
+          <a:lstStyle/>
+          <a:p>
+            <a:endParaRPr lang="ru-RU" dirty="0"/>
+          </a:p>
+        </p:txBody>
+      </p:sp>
+      <p:sp>
+        <p:nvSpPr>
+          <p:cNvPr id="4" name="Номер слайда 3"/>
+          <p:cNvSpPr>
+            <a:spLocks noGrp="1"/>
+          </p:cNvSpPr>
+          <p:nvPr>
+            <p:ph type="sldNum" sz="quarter" idx="10"/>
+          </p:nvPr>
+        </p:nvSpPr>
+        <p:spPr/>
+        <p:txBody>
+          <a:bodyPr/>
+          <a:lstStyle/>
+          <a:p>
+            <a:fld id="{D75B0C5A-EE92-4E92-8F5B-10699705BBE2}" type="slidenum">
+              <a:rPr lang="en-US" smtClean="0"/>
+              <a:pPr/>
+              <a:t>13</a:t>
+            </a:fld>
+            <a:endParaRPr lang="en-US"/>
+          </a:p>
+        </p:txBody>
+      </p:sp>
+    </p:spTree>
+  </p:cSld>
+  <p:clrMapOvr>
+    <a:masterClrMapping/>
+  </p:clrMapOvr>
+</p:notes>
+</file>
+
+<file path=ppt/notesSlides/notesSlide11.xml><?xml version="1.0" encoding="utf-8"?>
+<p:notes xmlns:a="http://schemas.openxmlformats.org/drawingml/2006/main" xmlns:r="http://schemas.openxmlformats.org/officeDocument/2006/relationships" xmlns:p="http://schemas.openxmlformats.org/presentationml/2006/main">
+  <p:cSld>
+    <p:spTree>
+      <p:nvGrpSpPr>
+        <p:cNvPr id="1" name=""/>
+        <p:cNvGrpSpPr/>
+        <p:nvPr/>
+      </p:nvGrpSpPr>
+      <p:grpSpPr>
+        <a:xfrm>
+          <a:off x="0" y="0"/>
+          <a:ext cx="0" cy="0"/>
+          <a:chOff x="0" y="0"/>
+          <a:chExt cx="0" cy="0"/>
+        </a:xfrm>
+      </p:grpSpPr>
+      <p:sp>
+        <p:nvSpPr>
+          <p:cNvPr id="2" name="Образ слайда 1"/>
+          <p:cNvSpPr>
+            <a:spLocks noGrp="1" noRot="1" noChangeAspect="1"/>
+          </p:cNvSpPr>
+          <p:nvPr>
+            <p:ph type="sldImg"/>
+          </p:nvPr>
+        </p:nvSpPr>
+        <p:spPr/>
+      </p:sp>
+      <p:sp>
+        <p:nvSpPr>
+          <p:cNvPr id="3" name="Заметки 2"/>
+          <p:cNvSpPr>
+            <a:spLocks noGrp="1"/>
+          </p:cNvSpPr>
+          <p:nvPr>
+            <p:ph type="body" idx="1"/>
+          </p:nvPr>
+        </p:nvSpPr>
+        <p:spPr/>
+        <p:txBody>
+          <a:bodyPr>
+            <a:normAutofit fontScale="92500" lnSpcReduction="10000"/>
+          </a:bodyPr>
+          <a:lstStyle/>
+          <a:p>
+            <a:endParaRPr lang="ru-RU" dirty="0"/>
+          </a:p>
+        </p:txBody>
+      </p:sp>
+      <p:sp>
+        <p:nvSpPr>
+          <p:cNvPr id="4" name="Номер слайда 3"/>
+          <p:cNvSpPr>
+            <a:spLocks noGrp="1"/>
+          </p:cNvSpPr>
+          <p:nvPr>
+            <p:ph type="sldNum" sz="quarter" idx="10"/>
+          </p:nvPr>
+        </p:nvSpPr>
+        <p:spPr/>
+        <p:txBody>
+          <a:bodyPr/>
+          <a:lstStyle/>
+          <a:p>
+            <a:fld id="{D75B0C5A-EE92-4E92-8F5B-10699705BBE2}" type="slidenum">
+              <a:rPr lang="en-US" smtClean="0"/>
+              <a:pPr/>
+              <a:t>14</a:t>
+            </a:fld>
+            <a:endParaRPr lang="en-US"/>
+          </a:p>
+        </p:txBody>
+      </p:sp>
+    </p:spTree>
+  </p:cSld>
+  <p:clrMapOvr>
+    <a:masterClrMapping/>
+  </p:clrMapOvr>
+</p:notes>
+</file>
+
 <file path=ppt/notesSlides/notesSlide2.xml><?xml version="1.0" encoding="utf-8"?>
 <p:notes xmlns:a="http://schemas.openxmlformats.org/drawingml/2006/main" xmlns:r="http://schemas.openxmlformats.org/officeDocument/2006/relationships" xmlns:p="http://schemas.openxmlformats.org/presentationml/2006/main">
   <p:cSld>
@@ -1952,10 +2118,68 @@
         <p:spPr/>
         <p:txBody>
           <a:bodyPr>
-            <a:normAutofit fontScale="92500"/>
+            <a:normAutofit/>
           </a:bodyPr>
           <a:lstStyle/>
           <a:p>
+            <a:r>
+              <a:rPr lang="ru-RU" dirty="0" smtClean="0"/>
+              <a:t>В любой модели ЖЦ ПО имеется несколько характеристик качественного тестирования: </a:t>
+            </a:r>
+            <a:endParaRPr lang="en-US" dirty="0" smtClean="0"/>
+          </a:p>
+          <a:p>
+            <a:r>
+              <a:rPr lang="ru-RU" dirty="0" smtClean="0"/>
+              <a:t>• Каждому процессу разработки соответствует свой процесс тестирования </a:t>
+            </a:r>
+            <a:endParaRPr lang="en-US" dirty="0" smtClean="0"/>
+          </a:p>
+          <a:p>
+            <a:r>
+              <a:rPr lang="ru-RU" dirty="0" smtClean="0"/>
+              <a:t>• Каждый уровень тестирования имеет свои цели тестирования </a:t>
+            </a:r>
+            <a:endParaRPr lang="en-US" dirty="0" smtClean="0"/>
+          </a:p>
+          <a:p>
+            <a:r>
+              <a:rPr lang="ru-RU" dirty="0" smtClean="0"/>
+              <a:t>• Анализ и дизайн тестов для какого-либо уровня тестирования должны начинаться одновременно с соответствующей деятельностью разработчиков </a:t>
+            </a:r>
+            <a:endParaRPr lang="en-US" dirty="0" smtClean="0"/>
+          </a:p>
+          <a:p>
+            <a:r>
+              <a:rPr lang="ru-RU" dirty="0" smtClean="0"/>
+              <a:t>• </a:t>
+            </a:r>
+            <a:r>
+              <a:rPr lang="ru-RU" dirty="0" err="1" smtClean="0"/>
+              <a:t>Тестировщики</a:t>
+            </a:r>
+            <a:r>
+              <a:rPr lang="ru-RU" dirty="0" smtClean="0"/>
+              <a:t> должны быть вовлечены в процесс просмотра и  рецензирования документов, как только становятся доступными их предварительные версии. </a:t>
+            </a:r>
+            <a:endParaRPr lang="en-US" dirty="0" smtClean="0"/>
+          </a:p>
+          <a:p>
+            <a:endParaRPr lang="en-US" dirty="0" smtClean="0"/>
+          </a:p>
+          <a:p>
+            <a:r>
+              <a:rPr lang="ru-RU" dirty="0" smtClean="0"/>
+              <a:t>Уровни тестирования могут быть объединены или реорганизованы в зависимости от  природы проекта или архитектуры системы. Например, для интеграции коробочного продукта в какую-либо систему заказчик может выполнить интеграционное тестирование на уровне системного тестирования (например, интеграция с инфраструктурой и другими системами или развертывание системы) и приемочного тестирования ( функциональное </a:t>
+            </a:r>
+            <a:r>
+              <a:rPr lang="ru-RU" dirty="0" err="1" smtClean="0"/>
+              <a:t>и\или</a:t>
+            </a:r>
+            <a:r>
+              <a:rPr lang="ru-RU" dirty="0" smtClean="0"/>
+              <a:t> нефункциональное, и пользовательское и/или эксплуатационное). </a:t>
+            </a:r>
             <a:endParaRPr lang="ru-RU" dirty="0"/>
           </a:p>
         </p:txBody>
@@ -2034,10 +2258,1727 @@
         <p:spPr/>
         <p:txBody>
           <a:bodyPr>
-            <a:normAutofit fontScale="92500"/>
+            <a:normAutofit/>
           </a:bodyPr>
           <a:lstStyle/>
           <a:p>
+            <a:r>
+              <a:rPr lang="ru-RU" sz="1200" kern="1200" dirty="0" smtClean="0">
+                <a:solidFill>
+                  <a:schemeClr val="tx1"/>
+                </a:solidFill>
+                <a:latin typeface="+mn-lt"/>
+                <a:ea typeface="+mn-ea"/>
+                <a:cs typeface="+mn-cs"/>
+              </a:rPr>
+              <a:t>Тестирование на разных уровнях производится на протяжении всего жизненного цикла разработки и сопровождения программного обеспечения. Уровень тестирования определяет то, </a:t>
+            </a:r>
+            <a:r>
+              <a:rPr lang="ru-RU" sz="1200" b="1" kern="1200" dirty="0" smtClean="0">
+                <a:solidFill>
+                  <a:schemeClr val="tx1"/>
+                </a:solidFill>
+                <a:latin typeface="+mn-lt"/>
+                <a:ea typeface="+mn-ea"/>
+                <a:cs typeface="+mn-cs"/>
+              </a:rPr>
+              <a:t>над чем</a:t>
+            </a:r>
+            <a:r>
+              <a:rPr lang="ru-RU" sz="1200" kern="1200" dirty="0" smtClean="0">
+                <a:solidFill>
+                  <a:schemeClr val="tx1"/>
+                </a:solidFill>
+                <a:latin typeface="+mn-lt"/>
+                <a:ea typeface="+mn-ea"/>
+                <a:cs typeface="+mn-cs"/>
+              </a:rPr>
+              <a:t> производятся тесты: над отдельным модулем, группой модулей или системой, в целом. Проведение тестирования на всех уровнях системы - это залог успешной реализации и сдачи проекта.</a:t>
+            </a:r>
+          </a:p>
+          <a:p>
+            <a:endParaRPr lang="en-US" sz="1200" b="1" kern="1200" dirty="0" smtClean="0">
+              <a:solidFill>
+                <a:schemeClr val="tx1"/>
+              </a:solidFill>
+              <a:latin typeface="+mn-lt"/>
+              <a:ea typeface="+mn-ea"/>
+              <a:cs typeface="+mn-cs"/>
+            </a:endParaRPr>
+          </a:p>
+          <a:p>
+            <a:r>
+              <a:rPr lang="ru-RU" sz="1200" b="1" kern="1200" dirty="0" smtClean="0">
+                <a:solidFill>
+                  <a:schemeClr val="tx1"/>
+                </a:solidFill>
+                <a:latin typeface="+mn-lt"/>
+                <a:ea typeface="+mn-ea"/>
+                <a:cs typeface="+mn-cs"/>
+              </a:rPr>
+              <a:t>Компонентное тестирование проверяет функциональность и ищет дефекты в частях приложения</a:t>
+            </a:r>
+            <a:r>
+              <a:rPr lang="ru-RU" sz="1200" kern="1200" dirty="0" smtClean="0">
+                <a:solidFill>
+                  <a:schemeClr val="tx1"/>
+                </a:solidFill>
+                <a:latin typeface="+mn-lt"/>
+                <a:ea typeface="+mn-ea"/>
+                <a:cs typeface="+mn-cs"/>
+              </a:rPr>
+              <a:t>, которые доступны и могут быть протестированы </a:t>
+            </a:r>
+            <a:r>
+              <a:rPr lang="ru-RU" sz="1200" kern="1200" dirty="0" err="1" smtClean="0">
+                <a:solidFill>
+                  <a:schemeClr val="tx1"/>
+                </a:solidFill>
+                <a:latin typeface="+mn-lt"/>
+                <a:ea typeface="+mn-ea"/>
+                <a:cs typeface="+mn-cs"/>
+              </a:rPr>
+              <a:t>поотдельности</a:t>
+            </a:r>
+            <a:r>
+              <a:rPr lang="ru-RU" sz="1200" kern="1200" dirty="0" smtClean="0">
+                <a:solidFill>
+                  <a:schemeClr val="tx1"/>
+                </a:solidFill>
+                <a:latin typeface="+mn-lt"/>
+                <a:ea typeface="+mn-ea"/>
+                <a:cs typeface="+mn-cs"/>
+              </a:rPr>
+              <a:t> (</a:t>
+            </a:r>
+            <a:r>
+              <a:rPr lang="ru-RU" sz="1200" b="1" kern="1200" dirty="0" smtClean="0">
+                <a:solidFill>
+                  <a:schemeClr val="tx1"/>
+                </a:solidFill>
+                <a:latin typeface="+mn-lt"/>
+                <a:ea typeface="+mn-ea"/>
+                <a:cs typeface="+mn-cs"/>
+              </a:rPr>
+              <a:t>модули программ, объекты, классы, функции и т.д.</a:t>
+            </a:r>
+            <a:r>
+              <a:rPr lang="ru-RU" sz="1200" kern="1200" dirty="0" smtClean="0">
+                <a:solidFill>
+                  <a:schemeClr val="tx1"/>
+                </a:solidFill>
+                <a:latin typeface="+mn-lt"/>
+                <a:ea typeface="+mn-ea"/>
+                <a:cs typeface="+mn-cs"/>
+              </a:rPr>
+              <a:t>). Обычно компонентное (модульное) тестирование проводится вызывая код, который необходимо проверить и при поддержке сред разработки, таких как </a:t>
+            </a:r>
+            <a:r>
+              <a:rPr lang="ru-RU" sz="1200" kern="1200" dirty="0" err="1" smtClean="0">
+                <a:solidFill>
+                  <a:schemeClr val="tx1"/>
+                </a:solidFill>
+                <a:latin typeface="+mn-lt"/>
+                <a:ea typeface="+mn-ea"/>
+                <a:cs typeface="+mn-cs"/>
+              </a:rPr>
+              <a:t>фреймворки</a:t>
+            </a:r>
+            <a:r>
+              <a:rPr lang="ru-RU" sz="1200" kern="1200" dirty="0" smtClean="0">
+                <a:solidFill>
+                  <a:schemeClr val="tx1"/>
+                </a:solidFill>
+                <a:latin typeface="+mn-lt"/>
+                <a:ea typeface="+mn-ea"/>
+                <a:cs typeface="+mn-cs"/>
+              </a:rPr>
+              <a:t> (</a:t>
+            </a:r>
+            <a:r>
+              <a:rPr lang="ru-RU" sz="1200" kern="1200" dirty="0" err="1" smtClean="0">
+                <a:solidFill>
+                  <a:schemeClr val="tx1"/>
+                </a:solidFill>
+                <a:latin typeface="+mn-lt"/>
+                <a:ea typeface="+mn-ea"/>
+                <a:cs typeface="+mn-cs"/>
+              </a:rPr>
+              <a:t>frameworks</a:t>
+            </a:r>
+            <a:r>
+              <a:rPr lang="ru-RU" sz="1200" kern="1200" dirty="0" smtClean="0">
+                <a:solidFill>
+                  <a:schemeClr val="tx1"/>
+                </a:solidFill>
+                <a:latin typeface="+mn-lt"/>
+                <a:ea typeface="+mn-ea"/>
+                <a:cs typeface="+mn-cs"/>
+              </a:rPr>
+              <a:t> - каркасы) для модульного тестирования или инструменты для отладки. Все найденные </a:t>
+            </a:r>
+            <a:r>
+              <a:rPr lang="ru-RU" sz="1200" u="sng" kern="1200" dirty="0" smtClean="0">
+                <a:solidFill>
+                  <a:schemeClr val="tx1"/>
+                </a:solidFill>
+                <a:latin typeface="+mn-lt"/>
+                <a:ea typeface="+mn-ea"/>
+                <a:cs typeface="+mn-cs"/>
+                <a:hlinkClick r:id="rId3"/>
+              </a:rPr>
+              <a:t>дефекты</a:t>
+            </a:r>
+            <a:r>
+              <a:rPr lang="ru-RU" sz="1200" kern="1200" dirty="0" smtClean="0">
+                <a:solidFill>
+                  <a:schemeClr val="tx1"/>
+                </a:solidFill>
+                <a:latin typeface="+mn-lt"/>
+                <a:ea typeface="+mn-ea"/>
+                <a:cs typeface="+mn-cs"/>
+              </a:rPr>
+              <a:t>, как правило исправляются в коде без формального их описания в системе менеджмента </a:t>
+            </a:r>
+            <a:r>
+              <a:rPr lang="ru-RU" sz="1200" kern="1200" dirty="0" err="1" smtClean="0">
+                <a:solidFill>
+                  <a:schemeClr val="tx1"/>
+                </a:solidFill>
+                <a:latin typeface="+mn-lt"/>
+                <a:ea typeface="+mn-ea"/>
+                <a:cs typeface="+mn-cs"/>
+              </a:rPr>
+              <a:t>багов</a:t>
+            </a:r>
+            <a:r>
+              <a:rPr lang="ru-RU" sz="1200" kern="1200" dirty="0" smtClean="0">
+                <a:solidFill>
+                  <a:schemeClr val="tx1"/>
+                </a:solidFill>
+                <a:latin typeface="+mn-lt"/>
+                <a:ea typeface="+mn-ea"/>
+                <a:cs typeface="+mn-cs"/>
+              </a:rPr>
+              <a:t> (</a:t>
+            </a:r>
+            <a:r>
+              <a:rPr lang="ru-RU" sz="1200" kern="1200" dirty="0" err="1" smtClean="0">
+                <a:solidFill>
+                  <a:schemeClr val="tx1"/>
+                </a:solidFill>
+                <a:latin typeface="+mn-lt"/>
+                <a:ea typeface="+mn-ea"/>
+                <a:cs typeface="+mn-cs"/>
+              </a:rPr>
+              <a:t>Bug</a:t>
+            </a:r>
+            <a:r>
+              <a:rPr lang="ru-RU" sz="1200" kern="1200" dirty="0" smtClean="0">
+                <a:solidFill>
+                  <a:schemeClr val="tx1"/>
+                </a:solidFill>
+                <a:latin typeface="+mn-lt"/>
+                <a:ea typeface="+mn-ea"/>
+                <a:cs typeface="+mn-cs"/>
+              </a:rPr>
+              <a:t> </a:t>
+            </a:r>
+            <a:r>
+              <a:rPr lang="ru-RU" sz="1200" kern="1200" dirty="0" err="1" smtClean="0">
+                <a:solidFill>
+                  <a:schemeClr val="tx1"/>
+                </a:solidFill>
+                <a:latin typeface="+mn-lt"/>
+                <a:ea typeface="+mn-ea"/>
+                <a:cs typeface="+mn-cs"/>
+              </a:rPr>
+              <a:t>Tracking</a:t>
+            </a:r>
+            <a:r>
+              <a:rPr lang="ru-RU" sz="1200" kern="1200" dirty="0" smtClean="0">
+                <a:solidFill>
+                  <a:schemeClr val="tx1"/>
+                </a:solidFill>
+                <a:latin typeface="+mn-lt"/>
+                <a:ea typeface="+mn-ea"/>
+                <a:cs typeface="+mn-cs"/>
+              </a:rPr>
+              <a:t> </a:t>
+            </a:r>
+            <a:r>
+              <a:rPr lang="ru-RU" sz="1200" kern="1200" dirty="0" err="1" smtClean="0">
+                <a:solidFill>
+                  <a:schemeClr val="tx1"/>
+                </a:solidFill>
+                <a:latin typeface="+mn-lt"/>
+                <a:ea typeface="+mn-ea"/>
+                <a:cs typeface="+mn-cs"/>
+              </a:rPr>
+              <a:t>System</a:t>
+            </a:r>
+            <a:r>
+              <a:rPr lang="ru-RU" sz="1200" kern="1200" dirty="0" smtClean="0">
+                <a:solidFill>
+                  <a:schemeClr val="tx1"/>
+                </a:solidFill>
+                <a:latin typeface="+mn-lt"/>
+                <a:ea typeface="+mn-ea"/>
+                <a:cs typeface="+mn-cs"/>
+              </a:rPr>
+              <a:t>).</a:t>
+            </a:r>
+          </a:p>
+          <a:p>
+            <a:r>
+              <a:rPr lang="ru-RU" sz="1200" kern="1200" dirty="0" smtClean="0">
+                <a:solidFill>
+                  <a:schemeClr val="tx1"/>
+                </a:solidFill>
+                <a:latin typeface="+mn-lt"/>
+                <a:ea typeface="+mn-ea"/>
+                <a:cs typeface="+mn-cs"/>
+              </a:rPr>
+              <a:t>Один из наиболее эффективных подходов к компонентному (модульному) тестированию - это </a:t>
+            </a:r>
+            <a:r>
+              <a:rPr lang="ru-RU" sz="1200" b="1" kern="1200" dirty="0" smtClean="0">
+                <a:solidFill>
+                  <a:schemeClr val="tx1"/>
+                </a:solidFill>
+                <a:latin typeface="+mn-lt"/>
+                <a:ea typeface="+mn-ea"/>
+                <a:cs typeface="+mn-cs"/>
+              </a:rPr>
+              <a:t>подготовка автоматизированных тестов</a:t>
+            </a:r>
+            <a:r>
+              <a:rPr lang="ru-RU" sz="1200" kern="1200" dirty="0" smtClean="0">
+                <a:solidFill>
+                  <a:schemeClr val="tx1"/>
+                </a:solidFill>
+                <a:latin typeface="+mn-lt"/>
+                <a:ea typeface="+mn-ea"/>
+                <a:cs typeface="+mn-cs"/>
+              </a:rPr>
+              <a:t> до начала основного кодирования (разработки) программного обеспечения. Это называется разработка от тестирования (</a:t>
+            </a:r>
+            <a:r>
+              <a:rPr lang="ru-RU" sz="1200" b="1" kern="1200" dirty="0" err="1" smtClean="0">
+                <a:solidFill>
+                  <a:schemeClr val="tx1"/>
+                </a:solidFill>
+                <a:latin typeface="+mn-lt"/>
+                <a:ea typeface="+mn-ea"/>
+                <a:cs typeface="+mn-cs"/>
+              </a:rPr>
+              <a:t>test-driven</a:t>
+            </a:r>
+            <a:r>
+              <a:rPr lang="ru-RU" sz="1200" b="1" kern="1200" dirty="0" smtClean="0">
+                <a:solidFill>
+                  <a:schemeClr val="tx1"/>
+                </a:solidFill>
+                <a:latin typeface="+mn-lt"/>
+                <a:ea typeface="+mn-ea"/>
+                <a:cs typeface="+mn-cs"/>
+              </a:rPr>
+              <a:t> </a:t>
+            </a:r>
+            <a:r>
+              <a:rPr lang="ru-RU" sz="1200" b="1" kern="1200" dirty="0" err="1" smtClean="0">
+                <a:solidFill>
+                  <a:schemeClr val="tx1"/>
+                </a:solidFill>
+                <a:latin typeface="+mn-lt"/>
+                <a:ea typeface="+mn-ea"/>
+                <a:cs typeface="+mn-cs"/>
+              </a:rPr>
+              <a:t>development</a:t>
+            </a:r>
+            <a:r>
+              <a:rPr lang="ru-RU" sz="1200" kern="1200" dirty="0" smtClean="0">
+                <a:solidFill>
+                  <a:schemeClr val="tx1"/>
+                </a:solidFill>
+                <a:latin typeface="+mn-lt"/>
+                <a:ea typeface="+mn-ea"/>
+                <a:cs typeface="+mn-cs"/>
+              </a:rPr>
+              <a:t>) или подход тестирования вначале (</a:t>
+            </a:r>
+            <a:r>
+              <a:rPr lang="ru-RU" sz="1200" b="1" kern="1200" dirty="0" err="1" smtClean="0">
+                <a:solidFill>
+                  <a:schemeClr val="tx1"/>
+                </a:solidFill>
+                <a:latin typeface="+mn-lt"/>
+                <a:ea typeface="+mn-ea"/>
+                <a:cs typeface="+mn-cs"/>
+              </a:rPr>
+              <a:t>test</a:t>
+            </a:r>
+            <a:r>
+              <a:rPr lang="ru-RU" sz="1200" b="1" kern="1200" dirty="0" smtClean="0">
+                <a:solidFill>
+                  <a:schemeClr val="tx1"/>
+                </a:solidFill>
+                <a:latin typeface="+mn-lt"/>
+                <a:ea typeface="+mn-ea"/>
+                <a:cs typeface="+mn-cs"/>
+              </a:rPr>
+              <a:t> </a:t>
+            </a:r>
+            <a:r>
+              <a:rPr lang="ru-RU" sz="1200" b="1" kern="1200" dirty="0" err="1" smtClean="0">
+                <a:solidFill>
+                  <a:schemeClr val="tx1"/>
+                </a:solidFill>
+                <a:latin typeface="+mn-lt"/>
+                <a:ea typeface="+mn-ea"/>
+                <a:cs typeface="+mn-cs"/>
+              </a:rPr>
+              <a:t>first</a:t>
+            </a:r>
+            <a:r>
+              <a:rPr lang="ru-RU" sz="1200" b="1" kern="1200" dirty="0" smtClean="0">
+                <a:solidFill>
+                  <a:schemeClr val="tx1"/>
+                </a:solidFill>
+                <a:latin typeface="+mn-lt"/>
+                <a:ea typeface="+mn-ea"/>
+                <a:cs typeface="+mn-cs"/>
+              </a:rPr>
+              <a:t> </a:t>
+            </a:r>
+            <a:r>
+              <a:rPr lang="ru-RU" sz="1200" b="1" kern="1200" dirty="0" err="1" smtClean="0">
+                <a:solidFill>
+                  <a:schemeClr val="tx1"/>
+                </a:solidFill>
+                <a:latin typeface="+mn-lt"/>
+                <a:ea typeface="+mn-ea"/>
+                <a:cs typeface="+mn-cs"/>
+              </a:rPr>
+              <a:t>approach</a:t>
+            </a:r>
+            <a:r>
+              <a:rPr lang="ru-RU" sz="1200" kern="1200" dirty="0" smtClean="0">
+                <a:solidFill>
+                  <a:schemeClr val="tx1"/>
+                </a:solidFill>
+                <a:latin typeface="+mn-lt"/>
+                <a:ea typeface="+mn-ea"/>
+                <a:cs typeface="+mn-cs"/>
+              </a:rPr>
+              <a:t>). При этом подходе создаются и интегрируются небольшие куски кода, напротив которых запускаются тесты, написанные до начала кодирования. Разработка ведется до тех пор пока все тесты не будут успешно пройдены. </a:t>
+            </a:r>
+          </a:p>
+          <a:p>
+            <a:endParaRPr lang="en-US" sz="1200" b="1" kern="1200" dirty="0" smtClean="0">
+              <a:solidFill>
+                <a:schemeClr val="tx1"/>
+              </a:solidFill>
+              <a:latin typeface="+mn-lt"/>
+              <a:ea typeface="+mn-ea"/>
+              <a:cs typeface="+mn-cs"/>
+            </a:endParaRPr>
+          </a:p>
+          <a:p>
+            <a:r>
+              <a:rPr lang="ru-RU" sz="1200" b="1" i="1" kern="1200" dirty="0" smtClean="0">
+                <a:solidFill>
+                  <a:schemeClr val="tx1"/>
+                </a:solidFill>
+                <a:latin typeface="+mn-lt"/>
+                <a:ea typeface="+mn-ea"/>
+                <a:cs typeface="+mn-cs"/>
+              </a:rPr>
+              <a:t>Уровни интеграционного тестирования:</a:t>
+            </a:r>
+          </a:p>
+          <a:p>
+            <a:pPr lvl="0"/>
+            <a:r>
+              <a:rPr lang="ru-RU" sz="1200" b="1" kern="1200" dirty="0" smtClean="0">
+                <a:solidFill>
+                  <a:schemeClr val="tx1"/>
+                </a:solidFill>
+                <a:latin typeface="+mn-lt"/>
+                <a:ea typeface="+mn-ea"/>
+                <a:cs typeface="+mn-cs"/>
+              </a:rPr>
+              <a:t>Компонентный интеграционный уровень</a:t>
+            </a:r>
+            <a:r>
+              <a:rPr lang="ru-RU" sz="1200" kern="1200" dirty="0" smtClean="0">
+                <a:solidFill>
+                  <a:schemeClr val="tx1"/>
+                </a:solidFill>
+                <a:latin typeface="+mn-lt"/>
+                <a:ea typeface="+mn-ea"/>
+                <a:cs typeface="+mn-cs"/>
+              </a:rPr>
+              <a:t> (</a:t>
+            </a:r>
+            <a:r>
+              <a:rPr lang="ru-RU" sz="1200" i="1" kern="1200" dirty="0" err="1" smtClean="0">
+                <a:solidFill>
+                  <a:schemeClr val="tx1"/>
+                </a:solidFill>
+                <a:latin typeface="+mn-lt"/>
+                <a:ea typeface="+mn-ea"/>
+                <a:cs typeface="+mn-cs"/>
+              </a:rPr>
+              <a:t>Component</a:t>
+            </a:r>
+            <a:r>
+              <a:rPr lang="ru-RU" sz="1200" i="1" kern="1200" dirty="0" smtClean="0">
+                <a:solidFill>
+                  <a:schemeClr val="tx1"/>
+                </a:solidFill>
+                <a:latin typeface="+mn-lt"/>
+                <a:ea typeface="+mn-ea"/>
+                <a:cs typeface="+mn-cs"/>
+              </a:rPr>
+              <a:t> </a:t>
+            </a:r>
+            <a:r>
+              <a:rPr lang="ru-RU" sz="1200" i="1" kern="1200" dirty="0" err="1" smtClean="0">
+                <a:solidFill>
+                  <a:schemeClr val="tx1"/>
+                </a:solidFill>
+                <a:latin typeface="+mn-lt"/>
+                <a:ea typeface="+mn-ea"/>
+                <a:cs typeface="+mn-cs"/>
+              </a:rPr>
+              <a:t>Integration</a:t>
+            </a:r>
+            <a:r>
+              <a:rPr lang="ru-RU" sz="1200" i="1" kern="1200" dirty="0" smtClean="0">
+                <a:solidFill>
+                  <a:schemeClr val="tx1"/>
+                </a:solidFill>
+                <a:latin typeface="+mn-lt"/>
+                <a:ea typeface="+mn-ea"/>
+                <a:cs typeface="+mn-cs"/>
+              </a:rPr>
+              <a:t> </a:t>
+            </a:r>
+            <a:r>
+              <a:rPr lang="ru-RU" sz="1200" i="1" kern="1200" dirty="0" err="1" smtClean="0">
+                <a:solidFill>
+                  <a:schemeClr val="tx1"/>
+                </a:solidFill>
+                <a:latin typeface="+mn-lt"/>
+                <a:ea typeface="+mn-ea"/>
+                <a:cs typeface="+mn-cs"/>
+              </a:rPr>
+              <a:t>testing</a:t>
+            </a:r>
+            <a:r>
+              <a:rPr lang="ru-RU" sz="1200" kern="1200" dirty="0" smtClean="0">
+                <a:solidFill>
+                  <a:schemeClr val="tx1"/>
+                </a:solidFill>
+                <a:latin typeface="+mn-lt"/>
+                <a:ea typeface="+mn-ea"/>
+                <a:cs typeface="+mn-cs"/>
+              </a:rPr>
+              <a:t>) </a:t>
+            </a:r>
+          </a:p>
+          <a:p>
+            <a:r>
+              <a:rPr lang="ru-RU" sz="1200" kern="1200" dirty="0" smtClean="0">
+                <a:solidFill>
+                  <a:schemeClr val="tx1"/>
+                </a:solidFill>
+                <a:latin typeface="+mn-lt"/>
+                <a:ea typeface="+mn-ea"/>
+                <a:cs typeface="+mn-cs"/>
+              </a:rPr>
+              <a:t>Проверяется взаимодействие между компонентами системы после проведения компонентного тестирования.</a:t>
+            </a:r>
+          </a:p>
+          <a:p>
+            <a:pPr lvl="0"/>
+            <a:r>
+              <a:rPr lang="ru-RU" sz="1200" b="1" kern="1200" dirty="0" smtClean="0">
+                <a:solidFill>
+                  <a:schemeClr val="tx1"/>
+                </a:solidFill>
+                <a:latin typeface="+mn-lt"/>
+                <a:ea typeface="+mn-ea"/>
+                <a:cs typeface="+mn-cs"/>
+              </a:rPr>
+              <a:t>Системный интеграционный уровень</a:t>
+            </a:r>
+            <a:r>
+              <a:rPr lang="ru-RU" sz="1200" kern="1200" dirty="0" smtClean="0">
+                <a:solidFill>
+                  <a:schemeClr val="tx1"/>
+                </a:solidFill>
+                <a:latin typeface="+mn-lt"/>
+                <a:ea typeface="+mn-ea"/>
+                <a:cs typeface="+mn-cs"/>
+              </a:rPr>
+              <a:t> (</a:t>
+            </a:r>
+            <a:r>
+              <a:rPr lang="ru-RU" sz="1200" i="1" kern="1200" dirty="0" err="1" smtClean="0">
+                <a:solidFill>
+                  <a:schemeClr val="tx1"/>
+                </a:solidFill>
+                <a:latin typeface="+mn-lt"/>
+                <a:ea typeface="+mn-ea"/>
+                <a:cs typeface="+mn-cs"/>
+              </a:rPr>
+              <a:t>System</a:t>
+            </a:r>
+            <a:r>
+              <a:rPr lang="ru-RU" sz="1200" i="1" kern="1200" dirty="0" smtClean="0">
+                <a:solidFill>
+                  <a:schemeClr val="tx1"/>
+                </a:solidFill>
+                <a:latin typeface="+mn-lt"/>
+                <a:ea typeface="+mn-ea"/>
+                <a:cs typeface="+mn-cs"/>
+              </a:rPr>
+              <a:t> </a:t>
+            </a:r>
+            <a:r>
+              <a:rPr lang="ru-RU" sz="1200" i="1" kern="1200" dirty="0" err="1" smtClean="0">
+                <a:solidFill>
+                  <a:schemeClr val="tx1"/>
+                </a:solidFill>
+                <a:latin typeface="+mn-lt"/>
+                <a:ea typeface="+mn-ea"/>
+                <a:cs typeface="+mn-cs"/>
+              </a:rPr>
+              <a:t>Integration</a:t>
+            </a:r>
+            <a:r>
+              <a:rPr lang="ru-RU" sz="1200" i="1" kern="1200" dirty="0" smtClean="0">
+                <a:solidFill>
+                  <a:schemeClr val="tx1"/>
+                </a:solidFill>
+                <a:latin typeface="+mn-lt"/>
+                <a:ea typeface="+mn-ea"/>
+                <a:cs typeface="+mn-cs"/>
+              </a:rPr>
+              <a:t> </a:t>
+            </a:r>
+            <a:r>
+              <a:rPr lang="ru-RU" sz="1200" i="1" kern="1200" dirty="0" err="1" smtClean="0">
+                <a:solidFill>
+                  <a:schemeClr val="tx1"/>
+                </a:solidFill>
+                <a:latin typeface="+mn-lt"/>
+                <a:ea typeface="+mn-ea"/>
+                <a:cs typeface="+mn-cs"/>
+              </a:rPr>
+              <a:t>Testing</a:t>
+            </a:r>
+            <a:r>
+              <a:rPr lang="ru-RU" sz="1200" kern="1200" dirty="0" smtClean="0">
+                <a:solidFill>
+                  <a:schemeClr val="tx1"/>
+                </a:solidFill>
+                <a:latin typeface="+mn-lt"/>
+                <a:ea typeface="+mn-ea"/>
+                <a:cs typeface="+mn-cs"/>
+              </a:rPr>
+              <a:t>) </a:t>
+            </a:r>
+          </a:p>
+          <a:p>
+            <a:r>
+              <a:rPr lang="ru-RU" sz="1200" kern="1200" dirty="0" smtClean="0">
+                <a:solidFill>
+                  <a:schemeClr val="tx1"/>
+                </a:solidFill>
+                <a:latin typeface="+mn-lt"/>
+                <a:ea typeface="+mn-ea"/>
+                <a:cs typeface="+mn-cs"/>
+              </a:rPr>
+              <a:t>Проверяется взаимодействие между разными системами после проведения системного тестирования.</a:t>
+            </a:r>
+          </a:p>
+          <a:p>
+            <a:r>
+              <a:rPr lang="ru-RU" sz="1200" b="1" i="1" kern="1200" dirty="0" smtClean="0">
+                <a:solidFill>
+                  <a:schemeClr val="tx1"/>
+                </a:solidFill>
+                <a:latin typeface="+mn-lt"/>
+                <a:ea typeface="+mn-ea"/>
+                <a:cs typeface="+mn-cs"/>
+              </a:rPr>
+              <a:t>Подходы к интеграционному тестированию:</a:t>
+            </a:r>
+          </a:p>
+          <a:p>
+            <a:pPr lvl="0"/>
+            <a:r>
+              <a:rPr lang="ru-RU" sz="1200" b="1" kern="1200" dirty="0" smtClean="0">
+                <a:solidFill>
+                  <a:schemeClr val="tx1"/>
+                </a:solidFill>
+                <a:latin typeface="+mn-lt"/>
+                <a:ea typeface="+mn-ea"/>
+                <a:cs typeface="+mn-cs"/>
+              </a:rPr>
+              <a:t>Снизу вверх</a:t>
+            </a:r>
+            <a:r>
+              <a:rPr lang="en-US" sz="1200" kern="1200" dirty="0" smtClean="0">
+                <a:solidFill>
+                  <a:schemeClr val="tx1"/>
+                </a:solidFill>
+                <a:latin typeface="+mn-lt"/>
+                <a:ea typeface="+mn-ea"/>
+                <a:cs typeface="+mn-cs"/>
+              </a:rPr>
+              <a:t> (</a:t>
+            </a:r>
+            <a:r>
+              <a:rPr lang="en-US" sz="1200" i="1" kern="1200" dirty="0" smtClean="0">
+                <a:solidFill>
+                  <a:schemeClr val="tx1"/>
+                </a:solidFill>
+                <a:latin typeface="+mn-lt"/>
+                <a:ea typeface="+mn-ea"/>
+                <a:cs typeface="+mn-cs"/>
+              </a:rPr>
+              <a:t>Bottom Up Integration</a:t>
+            </a:r>
+            <a:r>
+              <a:rPr lang="en-US" sz="1200" kern="1200" dirty="0" smtClean="0">
+                <a:solidFill>
+                  <a:schemeClr val="tx1"/>
+                </a:solidFill>
+                <a:latin typeface="+mn-lt"/>
+                <a:ea typeface="+mn-ea"/>
+                <a:cs typeface="+mn-cs"/>
+              </a:rPr>
+              <a:t>) </a:t>
+            </a:r>
+            <a:endParaRPr lang="ru-RU" sz="1200" kern="1200" dirty="0" smtClean="0">
+              <a:solidFill>
+                <a:schemeClr val="tx1"/>
+              </a:solidFill>
+              <a:latin typeface="+mn-lt"/>
+              <a:ea typeface="+mn-ea"/>
+              <a:cs typeface="+mn-cs"/>
+            </a:endParaRPr>
+          </a:p>
+          <a:p>
+            <a:r>
+              <a:rPr lang="ru-RU" sz="1200" kern="1200" dirty="0" smtClean="0">
+                <a:solidFill>
+                  <a:schemeClr val="tx1"/>
+                </a:solidFill>
+                <a:latin typeface="+mn-lt"/>
+                <a:ea typeface="+mn-ea"/>
+                <a:cs typeface="+mn-cs"/>
+              </a:rPr>
+              <a:t>Все низкоуровневые модули, процедуры или функции собираются воедино и затем тестируются. После чего собирается следующий уровень модулей для проведения интеграционного тестирования. Данный подход считается полезным, если все или практически все модули, разрабатываемого уровня, готовы. Также данный подход помогает определить по результатам тестирования уровень готовности приложения (см. также </a:t>
+            </a:r>
+            <a:r>
+              <a:rPr lang="ru-RU" sz="1200" u="sng" kern="1200" dirty="0" err="1" smtClean="0">
+                <a:solidFill>
+                  <a:schemeClr val="tx1"/>
+                </a:solidFill>
+                <a:latin typeface="+mn-lt"/>
+                <a:ea typeface="+mn-ea"/>
+                <a:cs typeface="+mn-cs"/>
+                <a:hlinkClick r:id="rId4"/>
+              </a:rPr>
+              <a:t>Integration</a:t>
+            </a:r>
+            <a:r>
+              <a:rPr lang="ru-RU" sz="1200" u="sng" kern="1200" dirty="0" smtClean="0">
+                <a:solidFill>
+                  <a:schemeClr val="tx1"/>
+                </a:solidFill>
+                <a:latin typeface="+mn-lt"/>
+                <a:ea typeface="+mn-ea"/>
+                <a:cs typeface="+mn-cs"/>
+                <a:hlinkClick r:id="rId4"/>
+              </a:rPr>
+              <a:t> </a:t>
+            </a:r>
+            <a:r>
+              <a:rPr lang="ru-RU" sz="1200" u="sng" kern="1200" dirty="0" err="1" smtClean="0">
+                <a:solidFill>
+                  <a:schemeClr val="tx1"/>
+                </a:solidFill>
+                <a:latin typeface="+mn-lt"/>
+                <a:ea typeface="+mn-ea"/>
+                <a:cs typeface="+mn-cs"/>
+                <a:hlinkClick r:id="rId4"/>
+              </a:rPr>
+              <a:t>testing</a:t>
+            </a:r>
+            <a:r>
+              <a:rPr lang="ru-RU" sz="1200" u="sng" kern="1200" dirty="0" smtClean="0">
+                <a:solidFill>
+                  <a:schemeClr val="tx1"/>
+                </a:solidFill>
+                <a:latin typeface="+mn-lt"/>
+                <a:ea typeface="+mn-ea"/>
+                <a:cs typeface="+mn-cs"/>
+                <a:hlinkClick r:id="rId4"/>
+              </a:rPr>
+              <a:t> - </a:t>
+            </a:r>
+            <a:r>
+              <a:rPr lang="ru-RU" sz="1200" u="sng" kern="1200" dirty="0" err="1" smtClean="0">
+                <a:solidFill>
+                  <a:schemeClr val="tx1"/>
+                </a:solidFill>
+                <a:latin typeface="+mn-lt"/>
+                <a:ea typeface="+mn-ea"/>
+                <a:cs typeface="+mn-cs"/>
+                <a:hlinkClick r:id="rId4"/>
+              </a:rPr>
+              <a:t>Bottom</a:t>
+            </a:r>
+            <a:r>
+              <a:rPr lang="ru-RU" sz="1200" u="sng" kern="1200" dirty="0" smtClean="0">
+                <a:solidFill>
+                  <a:schemeClr val="tx1"/>
+                </a:solidFill>
+                <a:latin typeface="+mn-lt"/>
+                <a:ea typeface="+mn-ea"/>
+                <a:cs typeface="+mn-cs"/>
+                <a:hlinkClick r:id="rId4"/>
+              </a:rPr>
+              <a:t> </a:t>
+            </a:r>
+            <a:r>
+              <a:rPr lang="ru-RU" sz="1200" u="sng" kern="1200" dirty="0" err="1" smtClean="0">
+                <a:solidFill>
+                  <a:schemeClr val="tx1"/>
+                </a:solidFill>
+                <a:latin typeface="+mn-lt"/>
+                <a:ea typeface="+mn-ea"/>
+                <a:cs typeface="+mn-cs"/>
+                <a:hlinkClick r:id="rId4"/>
+              </a:rPr>
+              <a:t>Up</a:t>
+            </a:r>
+            <a:r>
+              <a:rPr lang="ru-RU" sz="1200" kern="1200" dirty="0" smtClean="0">
+                <a:solidFill>
+                  <a:schemeClr val="tx1"/>
+                </a:solidFill>
+                <a:latin typeface="+mn-lt"/>
+                <a:ea typeface="+mn-ea"/>
+                <a:cs typeface="+mn-cs"/>
+              </a:rPr>
+              <a:t>)</a:t>
+            </a:r>
+          </a:p>
+          <a:p>
+            <a:pPr lvl="0"/>
+            <a:r>
+              <a:rPr lang="ru-RU" sz="1200" b="1" kern="1200" dirty="0" smtClean="0">
+                <a:solidFill>
+                  <a:schemeClr val="tx1"/>
+                </a:solidFill>
+                <a:latin typeface="+mn-lt"/>
+                <a:ea typeface="+mn-ea"/>
+                <a:cs typeface="+mn-cs"/>
+              </a:rPr>
+              <a:t>Сверху вниз</a:t>
+            </a:r>
+            <a:r>
+              <a:rPr lang="en-US" sz="1200" kern="1200" dirty="0" smtClean="0">
+                <a:solidFill>
+                  <a:schemeClr val="tx1"/>
+                </a:solidFill>
+                <a:latin typeface="+mn-lt"/>
+                <a:ea typeface="+mn-ea"/>
+                <a:cs typeface="+mn-cs"/>
+              </a:rPr>
+              <a:t> (</a:t>
+            </a:r>
+            <a:r>
+              <a:rPr lang="en-US" sz="1200" i="1" kern="1200" dirty="0" smtClean="0">
+                <a:solidFill>
+                  <a:schemeClr val="tx1"/>
+                </a:solidFill>
+                <a:latin typeface="+mn-lt"/>
+                <a:ea typeface="+mn-ea"/>
+                <a:cs typeface="+mn-cs"/>
+              </a:rPr>
+              <a:t>Top Down Integration</a:t>
+            </a:r>
+            <a:r>
+              <a:rPr lang="en-US" sz="1200" kern="1200" dirty="0" smtClean="0">
+                <a:solidFill>
+                  <a:schemeClr val="tx1"/>
+                </a:solidFill>
+                <a:latin typeface="+mn-lt"/>
+                <a:ea typeface="+mn-ea"/>
+                <a:cs typeface="+mn-cs"/>
+              </a:rPr>
+              <a:t>) </a:t>
+            </a:r>
+            <a:endParaRPr lang="ru-RU" sz="1200" kern="1200" dirty="0" smtClean="0">
+              <a:solidFill>
+                <a:schemeClr val="tx1"/>
+              </a:solidFill>
+              <a:latin typeface="+mn-lt"/>
+              <a:ea typeface="+mn-ea"/>
+              <a:cs typeface="+mn-cs"/>
+            </a:endParaRPr>
+          </a:p>
+          <a:p>
+            <a:r>
+              <a:rPr lang="ru-RU" sz="1200" kern="1200" dirty="0" smtClean="0">
+                <a:solidFill>
+                  <a:schemeClr val="tx1"/>
+                </a:solidFill>
+                <a:latin typeface="+mn-lt"/>
+                <a:ea typeface="+mn-ea"/>
+                <a:cs typeface="+mn-cs"/>
+              </a:rPr>
+              <a:t>Вначале тестируются все высокоуровневые модули, и постепенно один за другим добавляются низкоуровневые. Все модули более низкого уровня симулируются заглушками с аналогичной функциональностью, затем по мере готовности они заменяются реальными активными компонентами. Таким образом мы проводим тестирование сверху вниз. (см. также </a:t>
+            </a:r>
+            <a:r>
+              <a:rPr lang="ru-RU" sz="1200" u="sng" kern="1200" dirty="0" err="1" smtClean="0">
+                <a:solidFill>
+                  <a:schemeClr val="tx1"/>
+                </a:solidFill>
+                <a:latin typeface="+mn-lt"/>
+                <a:ea typeface="+mn-ea"/>
+                <a:cs typeface="+mn-cs"/>
+                <a:hlinkClick r:id="rId4"/>
+              </a:rPr>
+              <a:t>Top</a:t>
+            </a:r>
+            <a:r>
+              <a:rPr lang="ru-RU" sz="1200" u="sng" kern="1200" dirty="0" smtClean="0">
+                <a:solidFill>
+                  <a:schemeClr val="tx1"/>
+                </a:solidFill>
+                <a:latin typeface="+mn-lt"/>
+                <a:ea typeface="+mn-ea"/>
+                <a:cs typeface="+mn-cs"/>
+                <a:hlinkClick r:id="rId4"/>
+              </a:rPr>
+              <a:t> </a:t>
+            </a:r>
+            <a:r>
+              <a:rPr lang="ru-RU" sz="1200" u="sng" kern="1200" dirty="0" err="1" smtClean="0">
+                <a:solidFill>
+                  <a:schemeClr val="tx1"/>
+                </a:solidFill>
+                <a:latin typeface="+mn-lt"/>
+                <a:ea typeface="+mn-ea"/>
+                <a:cs typeface="+mn-cs"/>
+                <a:hlinkClick r:id="rId4"/>
+              </a:rPr>
+              <a:t>Down</a:t>
+            </a:r>
+            <a:r>
+              <a:rPr lang="ru-RU" sz="1200" u="sng" kern="1200" dirty="0" smtClean="0">
+                <a:solidFill>
+                  <a:schemeClr val="tx1"/>
+                </a:solidFill>
+                <a:latin typeface="+mn-lt"/>
+                <a:ea typeface="+mn-ea"/>
+                <a:cs typeface="+mn-cs"/>
+                <a:hlinkClick r:id="rId4"/>
+              </a:rPr>
+              <a:t> </a:t>
+            </a:r>
+            <a:r>
+              <a:rPr lang="ru-RU" sz="1200" u="sng" kern="1200" dirty="0" err="1" smtClean="0">
+                <a:solidFill>
+                  <a:schemeClr val="tx1"/>
+                </a:solidFill>
+                <a:latin typeface="+mn-lt"/>
+                <a:ea typeface="+mn-ea"/>
+                <a:cs typeface="+mn-cs"/>
+                <a:hlinkClick r:id="rId4"/>
+              </a:rPr>
+              <a:t>Integration</a:t>
+            </a:r>
+            <a:r>
+              <a:rPr lang="ru-RU" sz="1200" kern="1200" dirty="0" smtClean="0">
+                <a:solidFill>
+                  <a:schemeClr val="tx1"/>
+                </a:solidFill>
+                <a:latin typeface="+mn-lt"/>
+                <a:ea typeface="+mn-ea"/>
+                <a:cs typeface="+mn-cs"/>
+              </a:rPr>
+              <a:t>)</a:t>
+            </a:r>
+          </a:p>
+          <a:p>
+            <a:pPr lvl="0"/>
+            <a:r>
+              <a:rPr lang="ru-RU" sz="1200" b="1" kern="1200" dirty="0" smtClean="0">
+                <a:solidFill>
+                  <a:schemeClr val="tx1"/>
+                </a:solidFill>
+                <a:latin typeface="+mn-lt"/>
+                <a:ea typeface="+mn-ea"/>
+                <a:cs typeface="+mn-cs"/>
+              </a:rPr>
+              <a:t>Большой взрыв</a:t>
+            </a:r>
+            <a:r>
+              <a:rPr lang="en-US" sz="1200" kern="1200" dirty="0" smtClean="0">
+                <a:solidFill>
+                  <a:schemeClr val="tx1"/>
+                </a:solidFill>
+                <a:latin typeface="+mn-lt"/>
+                <a:ea typeface="+mn-ea"/>
+                <a:cs typeface="+mn-cs"/>
+              </a:rPr>
+              <a:t> (</a:t>
+            </a:r>
+            <a:r>
+              <a:rPr lang="en-US" sz="1200" i="1" kern="1200" dirty="0" smtClean="0">
+                <a:solidFill>
+                  <a:schemeClr val="tx1"/>
+                </a:solidFill>
+                <a:latin typeface="+mn-lt"/>
+                <a:ea typeface="+mn-ea"/>
+                <a:cs typeface="+mn-cs"/>
+              </a:rPr>
+              <a:t>"Big Bang" Integration</a:t>
+            </a:r>
+            <a:r>
+              <a:rPr lang="en-US" sz="1200" kern="1200" dirty="0" smtClean="0">
+                <a:solidFill>
+                  <a:schemeClr val="tx1"/>
+                </a:solidFill>
+                <a:latin typeface="+mn-lt"/>
+                <a:ea typeface="+mn-ea"/>
+                <a:cs typeface="+mn-cs"/>
+              </a:rPr>
+              <a:t>) </a:t>
+            </a:r>
+            <a:endParaRPr lang="ru-RU" sz="1200" kern="1200" dirty="0" smtClean="0">
+              <a:solidFill>
+                <a:schemeClr val="tx1"/>
+              </a:solidFill>
+              <a:latin typeface="+mn-lt"/>
+              <a:ea typeface="+mn-ea"/>
+              <a:cs typeface="+mn-cs"/>
+            </a:endParaRPr>
+          </a:p>
+          <a:p>
+            <a:r>
+              <a:rPr lang="ru-RU" sz="1200" kern="1200" dirty="0" smtClean="0">
+                <a:solidFill>
+                  <a:schemeClr val="tx1"/>
+                </a:solidFill>
+                <a:latin typeface="+mn-lt"/>
+                <a:ea typeface="+mn-ea"/>
+                <a:cs typeface="+mn-cs"/>
+              </a:rPr>
+              <a:t>Все или практически все разработанные модули собираются вместе в виде законченной системы или ее основной части, и затем проводится интеграционное тестирование. Такой подход очень хорош для сохранения времени. Однако если тест кейсы и их результаты записаны не верно, то сам процесс интеграции сильно осложнится, что станет преградой для команды тестирования при достижении основной цели интеграционного тестирования (см. также </a:t>
+            </a:r>
+            <a:r>
+              <a:rPr lang="ru-RU" sz="1200" u="sng" kern="1200" dirty="0" err="1" smtClean="0">
+                <a:solidFill>
+                  <a:schemeClr val="tx1"/>
+                </a:solidFill>
+                <a:latin typeface="+mn-lt"/>
+                <a:ea typeface="+mn-ea"/>
+                <a:cs typeface="+mn-cs"/>
+                <a:hlinkClick r:id="rId4"/>
+              </a:rPr>
+              <a:t>Integration</a:t>
+            </a:r>
+            <a:r>
+              <a:rPr lang="ru-RU" sz="1200" u="sng" kern="1200" dirty="0" smtClean="0">
+                <a:solidFill>
+                  <a:schemeClr val="tx1"/>
+                </a:solidFill>
+                <a:latin typeface="+mn-lt"/>
+                <a:ea typeface="+mn-ea"/>
+                <a:cs typeface="+mn-cs"/>
+                <a:hlinkClick r:id="rId4"/>
+              </a:rPr>
+              <a:t> </a:t>
+            </a:r>
+            <a:r>
+              <a:rPr lang="ru-RU" sz="1200" u="sng" kern="1200" dirty="0" err="1" smtClean="0">
+                <a:solidFill>
+                  <a:schemeClr val="tx1"/>
+                </a:solidFill>
+                <a:latin typeface="+mn-lt"/>
+                <a:ea typeface="+mn-ea"/>
+                <a:cs typeface="+mn-cs"/>
+                <a:hlinkClick r:id="rId4"/>
+              </a:rPr>
+              <a:t>testing</a:t>
+            </a:r>
+            <a:r>
+              <a:rPr lang="ru-RU" sz="1200" u="sng" kern="1200" dirty="0" smtClean="0">
+                <a:solidFill>
+                  <a:schemeClr val="tx1"/>
+                </a:solidFill>
+                <a:latin typeface="+mn-lt"/>
+                <a:ea typeface="+mn-ea"/>
+                <a:cs typeface="+mn-cs"/>
+                <a:hlinkClick r:id="rId4"/>
+              </a:rPr>
+              <a:t> - </a:t>
+            </a:r>
+            <a:r>
+              <a:rPr lang="ru-RU" sz="1200" u="sng" kern="1200" dirty="0" err="1" smtClean="0">
+                <a:solidFill>
+                  <a:schemeClr val="tx1"/>
+                </a:solidFill>
+                <a:latin typeface="+mn-lt"/>
+                <a:ea typeface="+mn-ea"/>
+                <a:cs typeface="+mn-cs"/>
+                <a:hlinkClick r:id="rId4"/>
+              </a:rPr>
+              <a:t>Big</a:t>
+            </a:r>
+            <a:r>
+              <a:rPr lang="ru-RU" sz="1200" u="sng" kern="1200" dirty="0" smtClean="0">
+                <a:solidFill>
+                  <a:schemeClr val="tx1"/>
+                </a:solidFill>
+                <a:latin typeface="+mn-lt"/>
+                <a:ea typeface="+mn-ea"/>
+                <a:cs typeface="+mn-cs"/>
+                <a:hlinkClick r:id="rId4"/>
+              </a:rPr>
+              <a:t> </a:t>
+            </a:r>
+            <a:r>
+              <a:rPr lang="ru-RU" sz="1200" u="sng" kern="1200" dirty="0" err="1" smtClean="0">
+                <a:solidFill>
+                  <a:schemeClr val="tx1"/>
+                </a:solidFill>
+                <a:latin typeface="+mn-lt"/>
+                <a:ea typeface="+mn-ea"/>
+                <a:cs typeface="+mn-cs"/>
+                <a:hlinkClick r:id="rId4"/>
+              </a:rPr>
+              <a:t>Bang</a:t>
+            </a:r>
+            <a:r>
+              <a:rPr lang="ru-RU" sz="1200" kern="1200" dirty="0" smtClean="0">
+                <a:solidFill>
+                  <a:schemeClr val="tx1"/>
+                </a:solidFill>
+                <a:latin typeface="+mn-lt"/>
+                <a:ea typeface="+mn-ea"/>
+                <a:cs typeface="+mn-cs"/>
+              </a:rPr>
+              <a:t>)</a:t>
+            </a:r>
+            <a:endParaRPr lang="en-US" sz="1200" kern="1200" dirty="0" smtClean="0">
+              <a:solidFill>
+                <a:schemeClr val="tx1"/>
+              </a:solidFill>
+              <a:latin typeface="+mn-lt"/>
+              <a:ea typeface="+mn-ea"/>
+              <a:cs typeface="+mn-cs"/>
+            </a:endParaRPr>
+          </a:p>
+          <a:p>
+            <a:endParaRPr lang="ru-RU" sz="1200" kern="1200" dirty="0" smtClean="0">
+              <a:solidFill>
+                <a:schemeClr val="tx1"/>
+              </a:solidFill>
+              <a:latin typeface="+mn-lt"/>
+              <a:ea typeface="+mn-ea"/>
+              <a:cs typeface="+mn-cs"/>
+            </a:endParaRPr>
+          </a:p>
+          <a:p>
+            <a:r>
+              <a:rPr lang="ru-RU" sz="1200" b="1" kern="1200" dirty="0" smtClean="0">
+                <a:solidFill>
+                  <a:schemeClr val="tx1"/>
+                </a:solidFill>
+                <a:latin typeface="+mn-lt"/>
+                <a:ea typeface="+mn-ea"/>
+                <a:cs typeface="+mn-cs"/>
+              </a:rPr>
+              <a:t>Системное тестирование (</a:t>
+            </a:r>
+            <a:r>
+              <a:rPr lang="ru-RU" sz="1200" b="1" kern="1200" dirty="0" err="1" smtClean="0">
+                <a:solidFill>
+                  <a:schemeClr val="tx1"/>
+                </a:solidFill>
+                <a:latin typeface="+mn-lt"/>
+                <a:ea typeface="+mn-ea"/>
+                <a:cs typeface="+mn-cs"/>
+              </a:rPr>
+              <a:t>System</a:t>
+            </a:r>
+            <a:r>
+              <a:rPr lang="ru-RU" sz="1200" b="1" kern="1200" dirty="0" smtClean="0">
+                <a:solidFill>
+                  <a:schemeClr val="tx1"/>
+                </a:solidFill>
+                <a:latin typeface="+mn-lt"/>
+                <a:ea typeface="+mn-ea"/>
+                <a:cs typeface="+mn-cs"/>
+              </a:rPr>
+              <a:t> </a:t>
+            </a:r>
+            <a:r>
+              <a:rPr lang="ru-RU" sz="1200" b="1" kern="1200" dirty="0" err="1" smtClean="0">
+                <a:solidFill>
+                  <a:schemeClr val="tx1"/>
+                </a:solidFill>
+                <a:latin typeface="+mn-lt"/>
+                <a:ea typeface="+mn-ea"/>
+                <a:cs typeface="+mn-cs"/>
+              </a:rPr>
+              <a:t>Testing</a:t>
+            </a:r>
+            <a:r>
+              <a:rPr lang="ru-RU" sz="1200" b="1" kern="1200" dirty="0" smtClean="0">
+                <a:solidFill>
+                  <a:schemeClr val="tx1"/>
+                </a:solidFill>
+                <a:latin typeface="+mn-lt"/>
+                <a:ea typeface="+mn-ea"/>
+                <a:cs typeface="+mn-cs"/>
+              </a:rPr>
+              <a:t>)</a:t>
+            </a:r>
+          </a:p>
+          <a:p>
+            <a:r>
+              <a:rPr lang="ru-RU" sz="1200" kern="1200" dirty="0" smtClean="0">
+                <a:solidFill>
+                  <a:schemeClr val="tx1"/>
+                </a:solidFill>
+                <a:latin typeface="+mn-lt"/>
+                <a:ea typeface="+mn-ea"/>
+                <a:cs typeface="+mn-cs"/>
+              </a:rPr>
+              <a:t>Основной задачей системного тестирования является </a:t>
+            </a:r>
+            <a:r>
+              <a:rPr lang="ru-RU" sz="1200" b="1" kern="1200" dirty="0" smtClean="0">
+                <a:solidFill>
+                  <a:schemeClr val="tx1"/>
+                </a:solidFill>
+                <a:latin typeface="+mn-lt"/>
+                <a:ea typeface="+mn-ea"/>
+                <a:cs typeface="+mn-cs"/>
+              </a:rPr>
+              <a:t>проверка </a:t>
+            </a:r>
+            <a:r>
+              <a:rPr lang="ru-RU" sz="1200" u="sng" kern="1200" dirty="0" smtClean="0">
+                <a:solidFill>
+                  <a:schemeClr val="tx1"/>
+                </a:solidFill>
+                <a:latin typeface="+mn-lt"/>
+                <a:ea typeface="+mn-ea"/>
+                <a:cs typeface="+mn-cs"/>
+                <a:hlinkClick r:id="rId5"/>
+              </a:rPr>
+              <a:t>как функциональных, так и не функциональных требований</a:t>
+            </a:r>
+            <a:r>
+              <a:rPr lang="ru-RU" sz="1200" b="1" kern="1200" dirty="0" smtClean="0">
+                <a:solidFill>
+                  <a:schemeClr val="tx1"/>
+                </a:solidFill>
+                <a:latin typeface="+mn-lt"/>
+                <a:ea typeface="+mn-ea"/>
+                <a:cs typeface="+mn-cs"/>
+              </a:rPr>
+              <a:t> в системе в целом</a:t>
+            </a:r>
+            <a:r>
+              <a:rPr lang="ru-RU" sz="1200" kern="1200" dirty="0" smtClean="0">
+                <a:solidFill>
+                  <a:schemeClr val="tx1"/>
+                </a:solidFill>
+                <a:latin typeface="+mn-lt"/>
+                <a:ea typeface="+mn-ea"/>
+                <a:cs typeface="+mn-cs"/>
+              </a:rPr>
+              <a:t>. При этом выявляются </a:t>
+            </a:r>
+            <a:r>
+              <a:rPr lang="ru-RU" sz="1200" u="sng" kern="1200" dirty="0" smtClean="0">
+                <a:solidFill>
+                  <a:schemeClr val="tx1"/>
+                </a:solidFill>
+                <a:latin typeface="+mn-lt"/>
+                <a:ea typeface="+mn-ea"/>
+                <a:cs typeface="+mn-cs"/>
+                <a:hlinkClick r:id="rId3"/>
+              </a:rPr>
+              <a:t>дефекты</a:t>
+            </a:r>
+            <a:r>
+              <a:rPr lang="ru-RU" sz="1200" kern="1200" dirty="0" smtClean="0">
+                <a:solidFill>
+                  <a:schemeClr val="tx1"/>
+                </a:solidFill>
+                <a:latin typeface="+mn-lt"/>
+                <a:ea typeface="+mn-ea"/>
+                <a:cs typeface="+mn-cs"/>
+              </a:rPr>
+              <a:t>, такие как неверное использование ресурсов системы, непредусмотренные комбинации данных пользовательского уровня, несовместимость с окружением, непредусмотренные сценарии использования, отсутствующая или неверная функциональность, неудобство использования и т.д. Для минимизации рисков, связанных с особенностями поведения в системы в той или иной среде, </a:t>
+            </a:r>
+            <a:r>
+              <a:rPr lang="ru-RU" sz="1200" b="1" kern="1200" dirty="0" smtClean="0">
+                <a:solidFill>
+                  <a:schemeClr val="tx1"/>
+                </a:solidFill>
+                <a:latin typeface="+mn-lt"/>
+                <a:ea typeface="+mn-ea"/>
+                <a:cs typeface="+mn-cs"/>
+              </a:rPr>
+              <a:t>во время тестирования рекомендуется использовать окружение максимально приближенное к тому, на которое будет установлен продукт после выдачи</a:t>
+            </a:r>
+            <a:r>
+              <a:rPr lang="ru-RU" sz="1200" kern="1200" dirty="0" smtClean="0">
+                <a:solidFill>
+                  <a:schemeClr val="tx1"/>
+                </a:solidFill>
+                <a:latin typeface="+mn-lt"/>
+                <a:ea typeface="+mn-ea"/>
+                <a:cs typeface="+mn-cs"/>
+              </a:rPr>
+              <a:t>. </a:t>
+            </a:r>
+            <a:endParaRPr lang="en-US" sz="1200" kern="1200" dirty="0" smtClean="0">
+              <a:solidFill>
+                <a:schemeClr val="tx1"/>
+              </a:solidFill>
+              <a:latin typeface="+mn-lt"/>
+              <a:ea typeface="+mn-ea"/>
+              <a:cs typeface="+mn-cs"/>
+            </a:endParaRPr>
+          </a:p>
+          <a:p>
+            <a:endParaRPr lang="en-US" sz="1200" kern="1200" dirty="0" smtClean="0">
+              <a:solidFill>
+                <a:schemeClr val="tx1"/>
+              </a:solidFill>
+              <a:latin typeface="+mn-lt"/>
+              <a:ea typeface="+mn-ea"/>
+              <a:cs typeface="+mn-cs"/>
+            </a:endParaRPr>
+          </a:p>
+          <a:p>
+            <a:r>
+              <a:rPr lang="ru-RU" sz="1200" kern="1200" dirty="0" smtClean="0">
+                <a:solidFill>
+                  <a:schemeClr val="tx1"/>
+                </a:solidFill>
+                <a:latin typeface="+mn-lt"/>
+                <a:ea typeface="+mn-ea"/>
+                <a:cs typeface="+mn-cs"/>
+              </a:rPr>
+              <a:t>Приемочное тестирование </a:t>
+            </a:r>
+            <a:r>
+              <a:rPr lang="ru-RU" sz="1200" b="1" kern="1200" dirty="0" smtClean="0">
+                <a:solidFill>
+                  <a:schemeClr val="tx1"/>
+                </a:solidFill>
+                <a:latin typeface="+mn-lt"/>
+                <a:ea typeface="+mn-ea"/>
+                <a:cs typeface="+mn-cs"/>
+              </a:rPr>
+              <a:t>выполняется на основании набора типичных </a:t>
+            </a:r>
+            <a:r>
+              <a:rPr lang="ru-RU" sz="1200" b="1" kern="1200" dirty="0" smtClean="0">
+                <a:solidFill>
+                  <a:schemeClr val="tx1"/>
+                </a:solidFill>
+                <a:latin typeface="+mn-lt"/>
+                <a:ea typeface="+mn-ea"/>
+                <a:cs typeface="+mn-cs"/>
+                <a:hlinkClick r:id="rId6"/>
+              </a:rPr>
+              <a:t>тестовых случаев</a:t>
+            </a:r>
+            <a:r>
+              <a:rPr lang="ru-RU" sz="1200" b="1" kern="1200" dirty="0" smtClean="0">
+                <a:solidFill>
+                  <a:schemeClr val="tx1"/>
+                </a:solidFill>
+                <a:latin typeface="+mn-lt"/>
+                <a:ea typeface="+mn-ea"/>
+                <a:cs typeface="+mn-cs"/>
+              </a:rPr>
+              <a:t> и сценариев</a:t>
+            </a:r>
+            <a:r>
+              <a:rPr lang="ru-RU" sz="1200" kern="1200" dirty="0" smtClean="0">
+                <a:solidFill>
+                  <a:schemeClr val="tx1"/>
+                </a:solidFill>
+                <a:latin typeface="+mn-lt"/>
+                <a:ea typeface="+mn-ea"/>
+                <a:cs typeface="+mn-cs"/>
+              </a:rPr>
+              <a:t>, разработанных на основании требований к данному приложению. </a:t>
+            </a:r>
+            <a:br>
+              <a:rPr lang="ru-RU" sz="1200" kern="1200" dirty="0" smtClean="0">
+                <a:solidFill>
+                  <a:schemeClr val="tx1"/>
+                </a:solidFill>
+                <a:latin typeface="+mn-lt"/>
+                <a:ea typeface="+mn-ea"/>
+                <a:cs typeface="+mn-cs"/>
+              </a:rPr>
+            </a:br>
+            <a:r>
+              <a:rPr lang="ru-RU" sz="1200" b="1" kern="1200" dirty="0" smtClean="0">
+                <a:solidFill>
+                  <a:schemeClr val="tx1"/>
+                </a:solidFill>
+                <a:latin typeface="+mn-lt"/>
+                <a:ea typeface="+mn-ea"/>
+                <a:cs typeface="+mn-cs"/>
+              </a:rPr>
+              <a:t>Решение о проведении приемочного тестирования</a:t>
+            </a:r>
+            <a:r>
+              <a:rPr lang="ru-RU" sz="1200" kern="1200" dirty="0" smtClean="0">
+                <a:solidFill>
+                  <a:schemeClr val="tx1"/>
+                </a:solidFill>
+                <a:latin typeface="+mn-lt"/>
+                <a:ea typeface="+mn-ea"/>
+                <a:cs typeface="+mn-cs"/>
+              </a:rPr>
+              <a:t> принимается, когда:</a:t>
+            </a:r>
+          </a:p>
+          <a:p>
+            <a:pPr lvl="0"/>
+            <a:r>
+              <a:rPr lang="ru-RU" sz="1200" kern="1200" dirty="0" smtClean="0">
+                <a:solidFill>
+                  <a:schemeClr val="tx1"/>
+                </a:solidFill>
+                <a:latin typeface="+mn-lt"/>
+                <a:ea typeface="+mn-ea"/>
+                <a:cs typeface="+mn-cs"/>
+              </a:rPr>
+              <a:t>продукт достиг необходимого уровня качества;</a:t>
+            </a:r>
+          </a:p>
+          <a:p>
+            <a:pPr lvl="0"/>
+            <a:r>
+              <a:rPr lang="ru-RU" sz="1200" kern="1200" dirty="0" smtClean="0">
+                <a:solidFill>
+                  <a:schemeClr val="tx1"/>
+                </a:solidFill>
+                <a:latin typeface="+mn-lt"/>
+                <a:ea typeface="+mn-ea"/>
+                <a:cs typeface="+mn-cs"/>
+              </a:rPr>
+              <a:t>заказчик ознакомлен с </a:t>
+            </a:r>
+            <a:r>
+              <a:rPr lang="ru-RU" sz="1200" b="1" kern="1200" dirty="0" smtClean="0">
+                <a:solidFill>
+                  <a:schemeClr val="tx1"/>
+                </a:solidFill>
+                <a:latin typeface="+mn-lt"/>
+                <a:ea typeface="+mn-ea"/>
+                <a:cs typeface="+mn-cs"/>
+              </a:rPr>
+              <a:t>Планом Приемочных Работ</a:t>
+            </a:r>
+            <a:r>
+              <a:rPr lang="ru-RU" sz="1200" kern="1200" dirty="0" smtClean="0">
+                <a:solidFill>
+                  <a:schemeClr val="tx1"/>
+                </a:solidFill>
+                <a:latin typeface="+mn-lt"/>
+                <a:ea typeface="+mn-ea"/>
+                <a:cs typeface="+mn-cs"/>
+              </a:rPr>
+              <a:t> (</a:t>
+            </a:r>
+            <a:r>
+              <a:rPr lang="ru-RU" sz="1200" b="1" kern="1200" dirty="0" err="1" smtClean="0">
+                <a:solidFill>
+                  <a:schemeClr val="tx1"/>
+                </a:solidFill>
+                <a:latin typeface="+mn-lt"/>
+                <a:ea typeface="+mn-ea"/>
+                <a:cs typeface="+mn-cs"/>
+              </a:rPr>
+              <a:t>Product</a:t>
+            </a:r>
+            <a:r>
+              <a:rPr lang="ru-RU" sz="1200" b="1" kern="1200" dirty="0" smtClean="0">
+                <a:solidFill>
+                  <a:schemeClr val="tx1"/>
+                </a:solidFill>
+                <a:latin typeface="+mn-lt"/>
+                <a:ea typeface="+mn-ea"/>
+                <a:cs typeface="+mn-cs"/>
+              </a:rPr>
+              <a:t> </a:t>
+            </a:r>
+            <a:r>
+              <a:rPr lang="ru-RU" sz="1200" b="1" kern="1200" dirty="0" err="1" smtClean="0">
+                <a:solidFill>
+                  <a:schemeClr val="tx1"/>
+                </a:solidFill>
+                <a:latin typeface="+mn-lt"/>
+                <a:ea typeface="+mn-ea"/>
+                <a:cs typeface="+mn-cs"/>
+              </a:rPr>
+              <a:t>Acceptance</a:t>
+            </a:r>
+            <a:r>
+              <a:rPr lang="ru-RU" sz="1200" b="1" kern="1200" dirty="0" smtClean="0">
+                <a:solidFill>
+                  <a:schemeClr val="tx1"/>
+                </a:solidFill>
+                <a:latin typeface="+mn-lt"/>
+                <a:ea typeface="+mn-ea"/>
+                <a:cs typeface="+mn-cs"/>
+              </a:rPr>
+              <a:t> </a:t>
+            </a:r>
+            <a:r>
+              <a:rPr lang="ru-RU" sz="1200" b="1" kern="1200" dirty="0" err="1" smtClean="0">
+                <a:solidFill>
+                  <a:schemeClr val="tx1"/>
+                </a:solidFill>
+                <a:latin typeface="+mn-lt"/>
+                <a:ea typeface="+mn-ea"/>
+                <a:cs typeface="+mn-cs"/>
+              </a:rPr>
+              <a:t>Plan</a:t>
+            </a:r>
+            <a:r>
+              <a:rPr lang="ru-RU" sz="1200" kern="1200" dirty="0" smtClean="0">
+                <a:solidFill>
+                  <a:schemeClr val="tx1"/>
+                </a:solidFill>
+                <a:latin typeface="+mn-lt"/>
+                <a:ea typeface="+mn-ea"/>
+                <a:cs typeface="+mn-cs"/>
+              </a:rPr>
+              <a:t>) или иным документом, где описан набор действий, связанных с проведением приемочного тестирования, дата проведения, ответственные и т.д. </a:t>
+            </a:r>
+          </a:p>
+          <a:p>
+            <a:r>
+              <a:rPr lang="ru-RU" sz="1200" b="1" kern="1200" dirty="0" smtClean="0">
+                <a:solidFill>
+                  <a:schemeClr val="tx1"/>
+                </a:solidFill>
+                <a:latin typeface="+mn-lt"/>
+                <a:ea typeface="+mn-ea"/>
+                <a:cs typeface="+mn-cs"/>
+              </a:rPr>
+              <a:t>Фаза приемочного тестирования</a:t>
+            </a:r>
+            <a:r>
+              <a:rPr lang="ru-RU" sz="1200" kern="1200" dirty="0" smtClean="0">
+                <a:solidFill>
+                  <a:schemeClr val="tx1"/>
+                </a:solidFill>
+                <a:latin typeface="+mn-lt"/>
+                <a:ea typeface="+mn-ea"/>
+                <a:cs typeface="+mn-cs"/>
+              </a:rPr>
+              <a:t> длится до тех пор, пока заказчик не выносит решение об отправлении приложения на доработку или выдаче приложения.</a:t>
+            </a:r>
+            <a:endParaRPr lang="en-US" sz="1200" kern="1200" dirty="0" smtClean="0">
+              <a:solidFill>
+                <a:schemeClr val="tx1"/>
+              </a:solidFill>
+              <a:latin typeface="+mn-lt"/>
+              <a:ea typeface="+mn-ea"/>
+              <a:cs typeface="+mn-cs"/>
+            </a:endParaRPr>
+          </a:p>
+          <a:p>
+            <a:endParaRPr lang="en-US" sz="1200" kern="1200" dirty="0" smtClean="0">
+              <a:solidFill>
+                <a:schemeClr val="tx1"/>
+              </a:solidFill>
+              <a:latin typeface="+mn-lt"/>
+              <a:ea typeface="+mn-ea"/>
+              <a:cs typeface="+mn-cs"/>
+            </a:endParaRPr>
+          </a:p>
+          <a:p>
+            <a:r>
+              <a:rPr lang="ru-RU" dirty="0" smtClean="0"/>
+              <a:t>Типичные виды приемочного тестирования: </a:t>
+            </a:r>
+            <a:endParaRPr lang="en-US" dirty="0" smtClean="0"/>
+          </a:p>
+          <a:p>
+            <a:endParaRPr lang="en-US" dirty="0" smtClean="0"/>
+          </a:p>
+          <a:p>
+            <a:r>
+              <a:rPr lang="ru-RU" dirty="0" smtClean="0"/>
+              <a:t>Пользовательское приемочное тестирование </a:t>
+            </a:r>
+            <a:endParaRPr lang="en-US" dirty="0" smtClean="0"/>
+          </a:p>
+          <a:p>
+            <a:r>
+              <a:rPr lang="ru-RU" dirty="0" smtClean="0"/>
+              <a:t>Обычно проверяет готовность системы для использования в бизнесе. </a:t>
+            </a:r>
+            <a:endParaRPr lang="en-US" dirty="0" smtClean="0"/>
+          </a:p>
+          <a:p>
+            <a:endParaRPr lang="en-US" dirty="0" smtClean="0"/>
+          </a:p>
+          <a:p>
+            <a:r>
+              <a:rPr lang="ru-RU" dirty="0" smtClean="0"/>
+              <a:t>Эксплуатационное (приемочное) тестирование </a:t>
+            </a:r>
+            <a:endParaRPr lang="en-US" dirty="0" smtClean="0"/>
+          </a:p>
+          <a:p>
+            <a:r>
+              <a:rPr lang="ru-RU" dirty="0" smtClean="0"/>
+              <a:t>Приемочное тестирование, проводимое системными администраторами, включает: </a:t>
+            </a:r>
+            <a:endParaRPr lang="en-US" dirty="0" smtClean="0"/>
+          </a:p>
+          <a:p>
+            <a:r>
+              <a:rPr lang="ru-RU" dirty="0" smtClean="0"/>
+              <a:t>• Тестирование резервного копирования \ восстановления </a:t>
+            </a:r>
+            <a:endParaRPr lang="en-US" dirty="0" smtClean="0"/>
+          </a:p>
+          <a:p>
+            <a:r>
+              <a:rPr lang="ru-RU" dirty="0" smtClean="0"/>
+              <a:t>• Восстановление после сбоев </a:t>
+            </a:r>
+            <a:endParaRPr lang="en-US" dirty="0" smtClean="0"/>
+          </a:p>
+          <a:p>
+            <a:r>
+              <a:rPr lang="ru-RU" dirty="0" smtClean="0"/>
+              <a:t>• Управление пользователями </a:t>
+            </a:r>
+            <a:endParaRPr lang="en-US" dirty="0" smtClean="0"/>
+          </a:p>
+          <a:p>
+            <a:r>
+              <a:rPr lang="ru-RU" dirty="0" smtClean="0"/>
+              <a:t>• Задачи сопровождения </a:t>
+            </a:r>
+            <a:endParaRPr lang="en-US" dirty="0" smtClean="0"/>
+          </a:p>
+          <a:p>
+            <a:r>
+              <a:rPr lang="ru-RU" dirty="0" smtClean="0"/>
+              <a:t>• Задачи загрузки и миграции данных  </a:t>
+            </a:r>
+            <a:endParaRPr lang="en-US" dirty="0" smtClean="0"/>
+          </a:p>
+          <a:p>
+            <a:r>
+              <a:rPr lang="ru-RU" dirty="0" smtClean="0"/>
+              <a:t>• Периодическая проверка уязвимостей системы </a:t>
+            </a:r>
+            <a:endParaRPr lang="en-US" dirty="0" smtClean="0"/>
+          </a:p>
+          <a:p>
+            <a:endParaRPr lang="en-US" dirty="0" smtClean="0"/>
+          </a:p>
+          <a:p>
+            <a:r>
+              <a:rPr lang="ru-RU" dirty="0" smtClean="0"/>
+              <a:t>Контрактное и правовое приемочное тестирование </a:t>
+            </a:r>
+            <a:endParaRPr lang="en-US" dirty="0" smtClean="0"/>
+          </a:p>
+          <a:p>
+            <a:r>
+              <a:rPr lang="ru-RU" dirty="0" smtClean="0"/>
+              <a:t>Контрактное приемочное тестирование выполняется  для проверки требований, предъявляемых контрактом в к разрабатываемому ПО. Критерий приема должен быть определен непосредственно в контракте. </a:t>
+            </a:r>
+            <a:endParaRPr lang="en-US" dirty="0" smtClean="0"/>
+          </a:p>
+          <a:p>
+            <a:r>
+              <a:rPr lang="ru-RU" dirty="0" smtClean="0"/>
+              <a:t>Приемочное тестирование на соответствие стандартам выполняется для проверки соответствия стандартам государственным, юридическим или стандартам безопасности. </a:t>
+            </a:r>
+            <a:endParaRPr lang="en-US" dirty="0" smtClean="0"/>
+          </a:p>
+          <a:p>
+            <a:endParaRPr lang="en-US" dirty="0" smtClean="0"/>
+          </a:p>
+          <a:p>
+            <a:r>
+              <a:rPr lang="ru-RU" dirty="0" smtClean="0"/>
+              <a:t>Альфа и бета тестирование (или тестирование в условиях эксплуатации) </a:t>
+            </a:r>
+            <a:endParaRPr lang="en-US" dirty="0" smtClean="0"/>
+          </a:p>
+          <a:p>
+            <a:r>
+              <a:rPr lang="ru-RU" dirty="0" smtClean="0"/>
+              <a:t>Разработчики рыночного, или коробочного, ПО часто хотят получить отзывы от потенциальных или существующих заказчиков до того, как начнется продажа продукта. </a:t>
+            </a:r>
+            <a:endParaRPr lang="en-US" dirty="0" smtClean="0"/>
+          </a:p>
+          <a:p>
+            <a:endParaRPr lang="en-US" dirty="0" smtClean="0"/>
+          </a:p>
+          <a:p>
+            <a:r>
+              <a:rPr lang="ru-RU" dirty="0" smtClean="0"/>
+              <a:t>Альфа тестирование выполняется организацией, разрабатывающей продукт, но не группой разработчиков. </a:t>
+            </a:r>
+            <a:endParaRPr lang="en-US" dirty="0" smtClean="0"/>
+          </a:p>
+          <a:p>
+            <a:endParaRPr lang="en-US" dirty="0" smtClean="0"/>
+          </a:p>
+          <a:p>
+            <a:r>
+              <a:rPr lang="ru-RU" dirty="0" smtClean="0"/>
+              <a:t>Бета тестирование, или тестирование в условиях эксплуатации, выполняется покупателями или потенциальными заказчиками на их собственных мощностях. </a:t>
+            </a:r>
+            <a:endParaRPr lang="en-US" dirty="0" smtClean="0"/>
+          </a:p>
+          <a:p>
+            <a:endParaRPr lang="en-US" dirty="0" smtClean="0"/>
+          </a:p>
+          <a:p>
+            <a:r>
+              <a:rPr lang="ru-RU" dirty="0" smtClean="0"/>
+              <a:t>В организации могут использоваться и другие термины приемочного тестирования, такие как производственное приемочное тестирование и стороннее приемочное тестирование для систем, которые проверяются до и после установки на стороне заказчика.</a:t>
+            </a:r>
             <a:endParaRPr lang="ru-RU" dirty="0"/>
           </a:p>
         </p:txBody>
@@ -2280,7 +4221,7 @@
         <p:spPr/>
         <p:txBody>
           <a:bodyPr>
-            <a:normAutofit fontScale="92500" lnSpcReduction="10000"/>
+            <a:normAutofit fontScale="92500"/>
           </a:bodyPr>
           <a:lstStyle/>
           <a:p>
@@ -2502,7 +4443,7 @@
             <a:fld id="{1D8BD707-D9CF-40AE-B4C6-C98DA3205C09}" type="datetimeFigureOut">
               <a:rPr lang="en-US" smtClean="0"/>
               <a:pPr/>
-              <a:t>24-Dec-14</a:t>
+              <a:t>01-Jan-15</a:t>
             </a:fld>
             <a:endParaRPr lang="en-US"/>
           </a:p>
@@ -2669,7 +4610,7 @@
             <a:fld id="{1D8BD707-D9CF-40AE-B4C6-C98DA3205C09}" type="datetimeFigureOut">
               <a:rPr lang="en-US" smtClean="0"/>
               <a:pPr/>
-              <a:t>24-Dec-14</a:t>
+              <a:t>01-Jan-15</a:t>
             </a:fld>
             <a:endParaRPr lang="en-US"/>
           </a:p>
@@ -2846,7 +4787,7 @@
             <a:fld id="{1D8BD707-D9CF-40AE-B4C6-C98DA3205C09}" type="datetimeFigureOut">
               <a:rPr lang="en-US" smtClean="0"/>
               <a:pPr/>
-              <a:t>24-Dec-14</a:t>
+              <a:t>01-Jan-15</a:t>
             </a:fld>
             <a:endParaRPr lang="en-US"/>
           </a:p>
@@ -3013,7 +4954,7 @@
             <a:fld id="{1D8BD707-D9CF-40AE-B4C6-C98DA3205C09}" type="datetimeFigureOut">
               <a:rPr lang="en-US" smtClean="0"/>
               <a:pPr/>
-              <a:t>24-Dec-14</a:t>
+              <a:t>01-Jan-15</a:t>
             </a:fld>
             <a:endParaRPr lang="en-US"/>
           </a:p>
@@ -3256,7 +5197,7 @@
             <a:fld id="{1D8BD707-D9CF-40AE-B4C6-C98DA3205C09}" type="datetimeFigureOut">
               <a:rPr lang="en-US" smtClean="0"/>
               <a:pPr/>
-              <a:t>24-Dec-14</a:t>
+              <a:t>01-Jan-15</a:t>
             </a:fld>
             <a:endParaRPr lang="en-US"/>
           </a:p>
@@ -3541,7 +5482,7 @@
             <a:fld id="{1D8BD707-D9CF-40AE-B4C6-C98DA3205C09}" type="datetimeFigureOut">
               <a:rPr lang="en-US" smtClean="0"/>
               <a:pPr/>
-              <a:t>24-Dec-14</a:t>
+              <a:t>01-Jan-15</a:t>
             </a:fld>
             <a:endParaRPr lang="en-US"/>
           </a:p>
@@ -3960,7 +5901,7 @@
             <a:fld id="{1D8BD707-D9CF-40AE-B4C6-C98DA3205C09}" type="datetimeFigureOut">
               <a:rPr lang="en-US" smtClean="0"/>
               <a:pPr/>
-              <a:t>24-Dec-14</a:t>
+              <a:t>01-Jan-15</a:t>
             </a:fld>
             <a:endParaRPr lang="en-US"/>
           </a:p>
@@ -4075,7 +6016,7 @@
             <a:fld id="{1D8BD707-D9CF-40AE-B4C6-C98DA3205C09}" type="datetimeFigureOut">
               <a:rPr lang="en-US" smtClean="0"/>
               <a:pPr/>
-              <a:t>24-Dec-14</a:t>
+              <a:t>01-Jan-15</a:t>
             </a:fld>
             <a:endParaRPr lang="en-US"/>
           </a:p>
@@ -4167,7 +6108,7 @@
             <a:fld id="{1D8BD707-D9CF-40AE-B4C6-C98DA3205C09}" type="datetimeFigureOut">
               <a:rPr lang="en-US" smtClean="0"/>
               <a:pPr/>
-              <a:t>24-Dec-14</a:t>
+              <a:t>01-Jan-15</a:t>
             </a:fld>
             <a:endParaRPr lang="en-US"/>
           </a:p>
@@ -4441,7 +6382,7 @@
             <a:fld id="{1D8BD707-D9CF-40AE-B4C6-C98DA3205C09}" type="datetimeFigureOut">
               <a:rPr lang="en-US" smtClean="0"/>
               <a:pPr/>
-              <a:t>24-Dec-14</a:t>
+              <a:t>01-Jan-15</a:t>
             </a:fld>
             <a:endParaRPr lang="en-US"/>
           </a:p>
@@ -4691,7 +6632,7 @@
             <a:fld id="{1D8BD707-D9CF-40AE-B4C6-C98DA3205C09}" type="datetimeFigureOut">
               <a:rPr lang="en-US" smtClean="0"/>
               <a:pPr/>
-              <a:t>24-Dec-14</a:t>
+              <a:t>01-Jan-15</a:t>
             </a:fld>
             <a:endParaRPr lang="en-US"/>
           </a:p>
@@ -4910,7 +6851,7 @@
             <a:fld id="{1D8BD707-D9CF-40AE-B4C6-C98DA3205C09}" type="datetimeFigureOut">
               <a:rPr lang="en-US" smtClean="0"/>
               <a:pPr/>
-              <a:t>24-Dec-14</a:t>
+              <a:t>01-Jan-15</a:t>
             </a:fld>
             <a:endParaRPr lang="en-US"/>
           </a:p>
@@ -5380,7 +7321,7 @@
     </p:spTree>
     <p:extLst>
       <p:ext uri="{BB962C8B-B14F-4D97-AF65-F5344CB8AC3E}">
-        <p14:creationId xmlns="" xmlns:p14="http://schemas.microsoft.com/office/powerpoint/2010/main" val="1766645597"/>
+        <p14:creationId xmlns:p14="http://schemas.microsoft.com/office/powerpoint/2010/main" xmlns="" val="1766645597"/>
       </p:ext>
     </p:extLst>
   </p:cSld>
@@ -5423,7 +7364,7 @@
         <p:spPr>
           <a:xfrm>
             <a:off x="457200" y="533400"/>
-            <a:ext cx="3967112" cy="630942"/>
+            <a:ext cx="1278107" cy="630942"/>
           </a:xfrm>
           <a:prstGeom prst="rect">
             <a:avLst/>
@@ -5452,7 +7393,7 @@
                   </a:outerShdw>
                 </a:effectLst>
               </a:rPr>
-              <a:t>Terms (continuation)</a:t>
+              <a:t>Terms</a:t>
             </a:r>
             <a:endParaRPr lang="en-US" sz="3500" dirty="0">
               <a:solidFill>
@@ -5495,7 +7436,7 @@
           <a:p>
             <a:r>
               <a:rPr lang="en-US" u="sng" dirty="0" smtClean="0"/>
-              <a:t>Stub </a:t>
+              <a:t>Alpha testing </a:t>
             </a:r>
             <a:r>
               <a:rPr lang="en-US" dirty="0" smtClean="0"/>
@@ -5570,7 +7511,7 @@
           <a:p>
             <a:r>
               <a:rPr lang="en-US" u="sng" dirty="0" smtClean="0"/>
-              <a:t>System testing </a:t>
+              <a:t>Beta testing </a:t>
             </a:r>
             <a:r>
               <a:rPr lang="en-US" dirty="0" smtClean="0"/>
@@ -5645,7 +7586,7 @@
           <a:p>
             <a:r>
               <a:rPr lang="en-US" u="sng" dirty="0" smtClean="0"/>
-              <a:t>Test environment </a:t>
+              <a:t>Component testing</a:t>
             </a:r>
             <a:r>
               <a:rPr lang="en-US" dirty="0" smtClean="0"/>
@@ -5720,7 +7661,7 @@
           <a:p>
             <a:r>
               <a:rPr lang="en-US" u="sng" dirty="0" smtClean="0"/>
-              <a:t>Non-functional requirement </a:t>
+              <a:t>Driver </a:t>
             </a:r>
             <a:r>
               <a:rPr lang="en-US" dirty="0" smtClean="0"/>
@@ -5795,7 +7736,7 @@
           <a:p>
             <a:r>
               <a:rPr lang="en-US" u="sng" dirty="0" smtClean="0"/>
-              <a:t>Test level </a:t>
+              <a:t>Field testing </a:t>
             </a:r>
             <a:r>
               <a:rPr lang="en-US" dirty="0" smtClean="0"/>
@@ -5850,7 +7791,7 @@
     </p:spTree>
     <p:extLst>
       <p:ext uri="{BB962C8B-B14F-4D97-AF65-F5344CB8AC3E}">
-        <p14:creationId xmlns="" xmlns:p14="http://schemas.microsoft.com/office/powerpoint/2010/main" val="4060775951"/>
+        <p14:creationId xmlns:p14="http://schemas.microsoft.com/office/powerpoint/2010/main" xmlns="" val="4060775951"/>
       </p:ext>
     </p:extLst>
   </p:cSld>
@@ -5858,7 +7799,7 @@
     <a:masterClrMapping/>
   </p:clrMapOvr>
   <mc:AlternateContent xmlns:mc="http://schemas.openxmlformats.org/markup-compatibility/2006">
-    <mc:Choice xmlns="" xmlns:p14="http://schemas.microsoft.com/office/powerpoint/2010/main" Requires="p14">
+    <mc:Choice xmlns:p14="http://schemas.microsoft.com/office/powerpoint/2010/main" xmlns="" Requires="p14">
       <p:transition spd="slow" p14:dur="2000"/>
     </mc:Choice>
     <mc:Fallback>
@@ -5952,81 +7893,6 @@
       </p:sp>
       <p:sp>
         <p:nvSpPr>
-          <p:cNvPr id="4" name="Rectangle 3"/>
-          <p:cNvSpPr/>
-          <p:nvPr/>
-        </p:nvSpPr>
-        <p:spPr>
-          <a:xfrm>
-            <a:off x="1249680" y="1362670"/>
-            <a:ext cx="7066736" cy="369332"/>
-          </a:xfrm>
-          <a:prstGeom prst="rect">
-            <a:avLst/>
-          </a:prstGeom>
-        </p:spPr>
-        <p:txBody>
-          <a:bodyPr wrap="square">
-            <a:spAutoFit/>
-          </a:bodyPr>
-          <a:lstStyle/>
-          <a:p>
-            <a:r>
-              <a:rPr lang="en-US" u="sng" dirty="0" smtClean="0"/>
-              <a:t>Test driven development </a:t>
-            </a:r>
-            <a:r>
-              <a:rPr lang="en-US" dirty="0" smtClean="0"/>
-              <a:t>-</a:t>
-            </a:r>
-            <a:endParaRPr lang="en-US" dirty="0"/>
-          </a:p>
-        </p:txBody>
-      </p:sp>
-      <p:sp>
-        <p:nvSpPr>
-          <p:cNvPr id="13" name="Flowchart: Connector 12"/>
-          <p:cNvSpPr/>
-          <p:nvPr/>
-        </p:nvSpPr>
-        <p:spPr>
-          <a:xfrm>
-            <a:off x="944741" y="1488043"/>
-            <a:ext cx="84841" cy="99536"/>
-          </a:xfrm>
-          <a:prstGeom prst="flowChartConnector">
-            <a:avLst/>
-          </a:prstGeom>
-        </p:spPr>
-        <p:style>
-          <a:lnRef idx="1">
-            <a:schemeClr val="accent6"/>
-          </a:lnRef>
-          <a:fillRef idx="3">
-            <a:schemeClr val="accent6"/>
-          </a:fillRef>
-          <a:effectRef idx="2">
-            <a:schemeClr val="accent6"/>
-          </a:effectRef>
-          <a:fontRef idx="minor">
-            <a:schemeClr val="lt1"/>
-          </a:fontRef>
-        </p:style>
-        <p:txBody>
-          <a:bodyPr rtlCol="0" anchor="ctr"/>
-          <a:lstStyle/>
-          <a:p>
-            <a:pPr algn="ctr"/>
-            <a:endParaRPr lang="en-US">
-              <a:solidFill>
-                <a:schemeClr val="tx1"/>
-              </a:solidFill>
-            </a:endParaRPr>
-          </a:p>
-        </p:txBody>
-      </p:sp>
-      <p:sp>
-        <p:nvSpPr>
           <p:cNvPr id="21" name="Rectangle 3"/>
           <p:cNvSpPr/>
           <p:nvPr/>
@@ -6048,7 +7914,7 @@
           <a:p>
             <a:r>
               <a:rPr lang="en-US" u="sng" dirty="0" smtClean="0"/>
-              <a:t>User acceptance testing </a:t>
+              <a:t>Integration </a:t>
             </a:r>
             <a:r>
               <a:rPr lang="en-US" dirty="0" smtClean="0"/>
@@ -6100,10 +7966,85 @@
           </a:p>
         </p:txBody>
       </p:sp>
+      <p:sp>
+        <p:nvSpPr>
+          <p:cNvPr id="23" name="Rectangle 3"/>
+          <p:cNvSpPr/>
+          <p:nvPr/>
+        </p:nvSpPr>
+        <p:spPr>
+          <a:xfrm>
+            <a:off x="1259632" y="2780928"/>
+            <a:ext cx="7066736" cy="369332"/>
+          </a:xfrm>
+          <a:prstGeom prst="rect">
+            <a:avLst/>
+          </a:prstGeom>
+        </p:spPr>
+        <p:txBody>
+          <a:bodyPr wrap="square">
+            <a:spAutoFit/>
+          </a:bodyPr>
+          <a:lstStyle/>
+          <a:p>
+            <a:r>
+              <a:rPr lang="en-US" u="sng" dirty="0" smtClean="0"/>
+              <a:t>Integration testing</a:t>
+            </a:r>
+            <a:r>
+              <a:rPr lang="en-US" dirty="0" smtClean="0"/>
+              <a:t>-</a:t>
+            </a:r>
+            <a:endParaRPr lang="en-US" dirty="0"/>
+          </a:p>
+        </p:txBody>
+      </p:sp>
+      <p:sp>
+        <p:nvSpPr>
+          <p:cNvPr id="24" name="Flowchart: Connector 12"/>
+          <p:cNvSpPr/>
+          <p:nvPr/>
+        </p:nvSpPr>
+        <p:spPr>
+          <a:xfrm>
+            <a:off x="899592" y="2923550"/>
+            <a:ext cx="84841" cy="99536"/>
+          </a:xfrm>
+          <a:prstGeom prst="flowChartConnector">
+            <a:avLst/>
+          </a:prstGeom>
+        </p:spPr>
+        <p:style>
+          <a:lnRef idx="1">
+            <a:schemeClr val="accent6"/>
+          </a:lnRef>
+          <a:fillRef idx="3">
+            <a:schemeClr val="accent6"/>
+          </a:fillRef>
+          <a:effectRef idx="2">
+            <a:schemeClr val="accent6"/>
+          </a:effectRef>
+          <a:fontRef idx="minor">
+            <a:schemeClr val="lt1"/>
+          </a:fontRef>
+        </p:style>
+        <p:txBody>
+          <a:bodyPr rtlCol="0" anchor="ctr"/>
+          <a:lstStyle/>
+          <a:p>
+            <a:pPr algn="ctr"/>
+            <a:endParaRPr lang="en-US">
+              <a:solidFill>
+                <a:schemeClr val="tx1"/>
+              </a:solidFill>
+            </a:endParaRPr>
+          </a:p>
+        </p:txBody>
+      </p:sp>
     </p:spTree>
     <p:extLst>
       <p:ext uri="{BB962C8B-B14F-4D97-AF65-F5344CB8AC3E}">
-        <p14:creationId xmlns="" xmlns:p14="http://schemas.microsoft.com/office/powerpoint/2010/main" val="4060775951"/>
+        <p14:creationId xmlns:p14="http://schemas.microsoft.com/office/powerpoint/2010/main" xmlns="" val="4060775951"/>
       </p:ext>
     </p:extLst>
   </p:cSld>
@@ -6111,7 +8052,7 @@
     <a:masterClrMapping/>
   </p:clrMapOvr>
   <mc:AlternateContent xmlns:mc="http://schemas.openxmlformats.org/markup-compatibility/2006">
-    <mc:Choice xmlns="" xmlns:p14="http://schemas.microsoft.com/office/powerpoint/2010/main" Requires="p14">
+    <mc:Choice xmlns:p14="http://schemas.microsoft.com/office/powerpoint/2010/main" xmlns="" Requires="p14">
       <p:transition spd="slow" p14:dur="2000"/>
     </mc:Choice>
     <mc:Fallback>
@@ -6145,6 +8086,662 @@
           <a:chExt cx="0" cy="0"/>
         </a:xfrm>
       </p:grpSpPr>
+      <p:sp>
+        <p:nvSpPr>
+          <p:cNvPr id="3" name="TextBox 2"/>
+          <p:cNvSpPr txBox="1"/>
+          <p:nvPr/>
+        </p:nvSpPr>
+        <p:spPr>
+          <a:xfrm>
+            <a:off x="457200" y="533400"/>
+            <a:ext cx="3967112" cy="630942"/>
+          </a:xfrm>
+          <a:prstGeom prst="rect">
+            <a:avLst/>
+          </a:prstGeom>
+          <a:noFill/>
+        </p:spPr>
+        <p:txBody>
+          <a:bodyPr wrap="none" rtlCol="0">
+            <a:spAutoFit/>
+          </a:bodyPr>
+          <a:lstStyle/>
+          <a:p>
+            <a:r>
+              <a:rPr lang="en-US" sz="3500" dirty="0" smtClean="0">
+                <a:solidFill>
+                  <a:schemeClr val="tx1">
+                    <a:lumMod val="65000"/>
+                    <a:lumOff val="35000"/>
+                  </a:schemeClr>
+                </a:solidFill>
+                <a:effectLst>
+                  <a:outerShdw blurRad="38100" dist="38100" dir="2700000" algn="tl">
+                    <a:srgbClr val="000000">
+                      <a:alpha val="43137"/>
+                    </a:srgbClr>
+                  </a:outerShdw>
+                </a:effectLst>
+              </a:rPr>
+              <a:t>Terms (continuation)</a:t>
+            </a:r>
+            <a:endParaRPr lang="en-US" sz="3500" dirty="0">
+              <a:solidFill>
+                <a:schemeClr val="tx1">
+                  <a:lumMod val="65000"/>
+                  <a:lumOff val="35000"/>
+                </a:schemeClr>
+              </a:solidFill>
+              <a:effectLst>
+                <a:outerShdw blurRad="38100" dist="38100" dir="2700000" algn="tl">
+                  <a:srgbClr val="000000">
+                    <a:alpha val="43137"/>
+                  </a:srgbClr>
+                </a:outerShdw>
+              </a:effectLst>
+            </a:endParaRPr>
+          </a:p>
+        </p:txBody>
+      </p:sp>
+      <p:sp>
+        <p:nvSpPr>
+          <p:cNvPr id="4" name="Rectangle 3"/>
+          <p:cNvSpPr/>
+          <p:nvPr/>
+        </p:nvSpPr>
+        <p:spPr>
+          <a:xfrm>
+            <a:off x="1249680" y="1362670"/>
+            <a:ext cx="7066736" cy="369332"/>
+          </a:xfrm>
+          <a:prstGeom prst="rect">
+            <a:avLst/>
+          </a:prstGeom>
+        </p:spPr>
+        <p:txBody>
+          <a:bodyPr wrap="square">
+            <a:spAutoFit/>
+          </a:bodyPr>
+          <a:lstStyle/>
+          <a:p>
+            <a:r>
+              <a:rPr lang="en-US" u="sng" dirty="0" smtClean="0"/>
+              <a:t>Stub </a:t>
+            </a:r>
+            <a:r>
+              <a:rPr lang="en-US" dirty="0" smtClean="0"/>
+              <a:t>-</a:t>
+            </a:r>
+            <a:endParaRPr lang="en-US" dirty="0"/>
+          </a:p>
+        </p:txBody>
+      </p:sp>
+      <p:sp>
+        <p:nvSpPr>
+          <p:cNvPr id="13" name="Flowchart: Connector 12"/>
+          <p:cNvSpPr/>
+          <p:nvPr/>
+        </p:nvSpPr>
+        <p:spPr>
+          <a:xfrm>
+            <a:off x="944741" y="1488043"/>
+            <a:ext cx="84841" cy="99536"/>
+          </a:xfrm>
+          <a:prstGeom prst="flowChartConnector">
+            <a:avLst/>
+          </a:prstGeom>
+        </p:spPr>
+        <p:style>
+          <a:lnRef idx="1">
+            <a:schemeClr val="accent6"/>
+          </a:lnRef>
+          <a:fillRef idx="3">
+            <a:schemeClr val="accent6"/>
+          </a:fillRef>
+          <a:effectRef idx="2">
+            <a:schemeClr val="accent6"/>
+          </a:effectRef>
+          <a:fontRef idx="minor">
+            <a:schemeClr val="lt1"/>
+          </a:fontRef>
+        </p:style>
+        <p:txBody>
+          <a:bodyPr rtlCol="0" anchor="ctr"/>
+          <a:lstStyle/>
+          <a:p>
+            <a:pPr algn="ctr"/>
+            <a:endParaRPr lang="en-US">
+              <a:solidFill>
+                <a:schemeClr val="tx1"/>
+              </a:solidFill>
+            </a:endParaRPr>
+          </a:p>
+        </p:txBody>
+      </p:sp>
+      <p:sp>
+        <p:nvSpPr>
+          <p:cNvPr id="21" name="Rectangle 3"/>
+          <p:cNvSpPr/>
+          <p:nvPr/>
+        </p:nvSpPr>
+        <p:spPr>
+          <a:xfrm>
+            <a:off x="1259632" y="2060848"/>
+            <a:ext cx="7066736" cy="369332"/>
+          </a:xfrm>
+          <a:prstGeom prst="rect">
+            <a:avLst/>
+          </a:prstGeom>
+        </p:spPr>
+        <p:txBody>
+          <a:bodyPr wrap="square">
+            <a:spAutoFit/>
+          </a:bodyPr>
+          <a:lstStyle/>
+          <a:p>
+            <a:r>
+              <a:rPr lang="en-US" u="sng" dirty="0" smtClean="0"/>
+              <a:t>System testing </a:t>
+            </a:r>
+            <a:r>
+              <a:rPr lang="en-US" dirty="0" smtClean="0"/>
+              <a:t>-</a:t>
+            </a:r>
+            <a:endParaRPr lang="en-US" dirty="0"/>
+          </a:p>
+        </p:txBody>
+      </p:sp>
+      <p:sp>
+        <p:nvSpPr>
+          <p:cNvPr id="22" name="Flowchart: Connector 12"/>
+          <p:cNvSpPr/>
+          <p:nvPr/>
+        </p:nvSpPr>
+        <p:spPr>
+          <a:xfrm>
+            <a:off x="899592" y="2203470"/>
+            <a:ext cx="84841" cy="99536"/>
+          </a:xfrm>
+          <a:prstGeom prst="flowChartConnector">
+            <a:avLst/>
+          </a:prstGeom>
+        </p:spPr>
+        <p:style>
+          <a:lnRef idx="1">
+            <a:schemeClr val="accent6"/>
+          </a:lnRef>
+          <a:fillRef idx="3">
+            <a:schemeClr val="accent6"/>
+          </a:fillRef>
+          <a:effectRef idx="2">
+            <a:schemeClr val="accent6"/>
+          </a:effectRef>
+          <a:fontRef idx="minor">
+            <a:schemeClr val="lt1"/>
+          </a:fontRef>
+        </p:style>
+        <p:txBody>
+          <a:bodyPr rtlCol="0" anchor="ctr"/>
+          <a:lstStyle/>
+          <a:p>
+            <a:pPr algn="ctr"/>
+            <a:endParaRPr lang="en-US">
+              <a:solidFill>
+                <a:schemeClr val="tx1"/>
+              </a:solidFill>
+            </a:endParaRPr>
+          </a:p>
+        </p:txBody>
+      </p:sp>
+      <p:sp>
+        <p:nvSpPr>
+          <p:cNvPr id="23" name="Rectangle 3"/>
+          <p:cNvSpPr/>
+          <p:nvPr/>
+        </p:nvSpPr>
+        <p:spPr>
+          <a:xfrm>
+            <a:off x="1259632" y="2780928"/>
+            <a:ext cx="7066736" cy="369332"/>
+          </a:xfrm>
+          <a:prstGeom prst="rect">
+            <a:avLst/>
+          </a:prstGeom>
+        </p:spPr>
+        <p:txBody>
+          <a:bodyPr wrap="square">
+            <a:spAutoFit/>
+          </a:bodyPr>
+          <a:lstStyle/>
+          <a:p>
+            <a:r>
+              <a:rPr lang="en-US" u="sng" dirty="0" smtClean="0"/>
+              <a:t>Test environment </a:t>
+            </a:r>
+            <a:r>
+              <a:rPr lang="en-US" dirty="0" smtClean="0"/>
+              <a:t>-</a:t>
+            </a:r>
+            <a:endParaRPr lang="en-US" dirty="0"/>
+          </a:p>
+        </p:txBody>
+      </p:sp>
+      <p:sp>
+        <p:nvSpPr>
+          <p:cNvPr id="24" name="Flowchart: Connector 12"/>
+          <p:cNvSpPr/>
+          <p:nvPr/>
+        </p:nvSpPr>
+        <p:spPr>
+          <a:xfrm>
+            <a:off x="899592" y="2923550"/>
+            <a:ext cx="84841" cy="99536"/>
+          </a:xfrm>
+          <a:prstGeom prst="flowChartConnector">
+            <a:avLst/>
+          </a:prstGeom>
+        </p:spPr>
+        <p:style>
+          <a:lnRef idx="1">
+            <a:schemeClr val="accent6"/>
+          </a:lnRef>
+          <a:fillRef idx="3">
+            <a:schemeClr val="accent6"/>
+          </a:fillRef>
+          <a:effectRef idx="2">
+            <a:schemeClr val="accent6"/>
+          </a:effectRef>
+          <a:fontRef idx="minor">
+            <a:schemeClr val="lt1"/>
+          </a:fontRef>
+        </p:style>
+        <p:txBody>
+          <a:bodyPr rtlCol="0" anchor="ctr"/>
+          <a:lstStyle/>
+          <a:p>
+            <a:pPr algn="ctr"/>
+            <a:endParaRPr lang="en-US">
+              <a:solidFill>
+                <a:schemeClr val="tx1"/>
+              </a:solidFill>
+            </a:endParaRPr>
+          </a:p>
+        </p:txBody>
+      </p:sp>
+      <p:sp>
+        <p:nvSpPr>
+          <p:cNvPr id="27" name="Rectangle 3"/>
+          <p:cNvSpPr/>
+          <p:nvPr/>
+        </p:nvSpPr>
+        <p:spPr>
+          <a:xfrm>
+            <a:off x="1249680" y="5014917"/>
+            <a:ext cx="6634688" cy="369332"/>
+          </a:xfrm>
+          <a:prstGeom prst="rect">
+            <a:avLst/>
+          </a:prstGeom>
+        </p:spPr>
+        <p:txBody>
+          <a:bodyPr wrap="square">
+            <a:spAutoFit/>
+          </a:bodyPr>
+          <a:lstStyle/>
+          <a:p>
+            <a:r>
+              <a:rPr lang="en-US" u="sng" dirty="0" smtClean="0"/>
+              <a:t>Test level </a:t>
+            </a:r>
+            <a:r>
+              <a:rPr lang="en-US" dirty="0" smtClean="0"/>
+              <a:t>-</a:t>
+            </a:r>
+            <a:endParaRPr lang="en-US" dirty="0"/>
+          </a:p>
+        </p:txBody>
+      </p:sp>
+      <p:sp>
+        <p:nvSpPr>
+          <p:cNvPr id="28" name="Flowchart: Connector 12"/>
+          <p:cNvSpPr/>
+          <p:nvPr/>
+        </p:nvSpPr>
+        <p:spPr>
+          <a:xfrm>
+            <a:off x="889640" y="5157539"/>
+            <a:ext cx="84841" cy="99536"/>
+          </a:xfrm>
+          <a:prstGeom prst="flowChartConnector">
+            <a:avLst/>
+          </a:prstGeom>
+        </p:spPr>
+        <p:style>
+          <a:lnRef idx="1">
+            <a:schemeClr val="accent6"/>
+          </a:lnRef>
+          <a:fillRef idx="3">
+            <a:schemeClr val="accent6"/>
+          </a:fillRef>
+          <a:effectRef idx="2">
+            <a:schemeClr val="accent6"/>
+          </a:effectRef>
+          <a:fontRef idx="minor">
+            <a:schemeClr val="lt1"/>
+          </a:fontRef>
+        </p:style>
+        <p:txBody>
+          <a:bodyPr rtlCol="0" anchor="ctr"/>
+          <a:lstStyle/>
+          <a:p>
+            <a:pPr algn="ctr"/>
+            <a:endParaRPr lang="en-US">
+              <a:solidFill>
+                <a:schemeClr val="tx1"/>
+              </a:solidFill>
+            </a:endParaRPr>
+          </a:p>
+        </p:txBody>
+      </p:sp>
+    </p:spTree>
+    <p:extLst>
+      <p:ext uri="{BB962C8B-B14F-4D97-AF65-F5344CB8AC3E}">
+        <p14:creationId xmlns:p14="http://schemas.microsoft.com/office/powerpoint/2010/main" xmlns="" val="4060775951"/>
+      </p:ext>
+    </p:extLst>
+  </p:cSld>
+  <p:clrMapOvr>
+    <a:masterClrMapping/>
+  </p:clrMapOvr>
+  <mc:AlternateContent xmlns:mc="http://schemas.openxmlformats.org/markup-compatibility/2006">
+    <mc:Choice xmlns:p14="http://schemas.microsoft.com/office/powerpoint/2010/main" xmlns="" Requires="p14">
+      <p:transition spd="slow" p14:dur="2000"/>
+    </mc:Choice>
+    <mc:Fallback>
+      <p:transition spd="slow"/>
+    </mc:Fallback>
+  </mc:AlternateContent>
+  <p:timing>
+    <p:tnLst>
+      <p:par>
+        <p:cTn id="1" dur="indefinite" restart="never" nodeType="tmRoot"/>
+      </p:par>
+    </p:tnLst>
+  </p:timing>
+</p:sld>
+</file>
+
+<file path=ppt/slides/slide13.xml><?xml version="1.0" encoding="utf-8"?>
+<p:sld xmlns:a="http://schemas.openxmlformats.org/drawingml/2006/main" xmlns:r="http://schemas.openxmlformats.org/officeDocument/2006/relationships" xmlns:p="http://schemas.openxmlformats.org/presentationml/2006/main">
+  <p:cSld>
+    <p:spTree>
+      <p:nvGrpSpPr>
+        <p:cNvPr id="1" name=""/>
+        <p:cNvGrpSpPr/>
+        <p:nvPr/>
+      </p:nvGrpSpPr>
+      <p:grpSpPr>
+        <a:xfrm>
+          <a:off x="0" y="0"/>
+          <a:ext cx="0" cy="0"/>
+          <a:chOff x="0" y="0"/>
+          <a:chExt cx="0" cy="0"/>
+        </a:xfrm>
+      </p:grpSpPr>
+      <p:sp>
+        <p:nvSpPr>
+          <p:cNvPr id="3" name="TextBox 2"/>
+          <p:cNvSpPr txBox="1"/>
+          <p:nvPr/>
+        </p:nvSpPr>
+        <p:spPr>
+          <a:xfrm>
+            <a:off x="457200" y="533400"/>
+            <a:ext cx="3967112" cy="630942"/>
+          </a:xfrm>
+          <a:prstGeom prst="rect">
+            <a:avLst/>
+          </a:prstGeom>
+          <a:noFill/>
+        </p:spPr>
+        <p:txBody>
+          <a:bodyPr wrap="none" rtlCol="0">
+            <a:spAutoFit/>
+          </a:bodyPr>
+          <a:lstStyle/>
+          <a:p>
+            <a:r>
+              <a:rPr lang="en-US" sz="3500" dirty="0" smtClean="0">
+                <a:solidFill>
+                  <a:schemeClr val="tx1">
+                    <a:lumMod val="65000"/>
+                    <a:lumOff val="35000"/>
+                  </a:schemeClr>
+                </a:solidFill>
+                <a:effectLst>
+                  <a:outerShdw blurRad="38100" dist="38100" dir="2700000" algn="tl">
+                    <a:srgbClr val="000000">
+                      <a:alpha val="43137"/>
+                    </a:srgbClr>
+                  </a:outerShdw>
+                </a:effectLst>
+              </a:rPr>
+              <a:t>Terms (continuation)</a:t>
+            </a:r>
+            <a:endParaRPr lang="en-US" sz="3500" dirty="0">
+              <a:solidFill>
+                <a:schemeClr val="tx1">
+                  <a:lumMod val="65000"/>
+                  <a:lumOff val="35000"/>
+                </a:schemeClr>
+              </a:solidFill>
+              <a:effectLst>
+                <a:outerShdw blurRad="38100" dist="38100" dir="2700000" algn="tl">
+                  <a:srgbClr val="000000">
+                    <a:alpha val="43137"/>
+                  </a:srgbClr>
+                </a:outerShdw>
+              </a:effectLst>
+            </a:endParaRPr>
+          </a:p>
+        </p:txBody>
+      </p:sp>
+      <p:sp>
+        <p:nvSpPr>
+          <p:cNvPr id="4" name="Rectangle 3"/>
+          <p:cNvSpPr/>
+          <p:nvPr/>
+        </p:nvSpPr>
+        <p:spPr>
+          <a:xfrm>
+            <a:off x="1249680" y="1362670"/>
+            <a:ext cx="7066736" cy="369332"/>
+          </a:xfrm>
+          <a:prstGeom prst="rect">
+            <a:avLst/>
+          </a:prstGeom>
+        </p:spPr>
+        <p:txBody>
+          <a:bodyPr wrap="square">
+            <a:spAutoFit/>
+          </a:bodyPr>
+          <a:lstStyle/>
+          <a:p>
+            <a:r>
+              <a:rPr lang="en-US" u="sng" dirty="0" smtClean="0"/>
+              <a:t>Test driven development </a:t>
+            </a:r>
+            <a:r>
+              <a:rPr lang="en-US" dirty="0" smtClean="0"/>
+              <a:t>-</a:t>
+            </a:r>
+            <a:endParaRPr lang="en-US" dirty="0"/>
+          </a:p>
+        </p:txBody>
+      </p:sp>
+      <p:sp>
+        <p:nvSpPr>
+          <p:cNvPr id="13" name="Flowchart: Connector 12"/>
+          <p:cNvSpPr/>
+          <p:nvPr/>
+        </p:nvSpPr>
+        <p:spPr>
+          <a:xfrm>
+            <a:off x="944741" y="1488043"/>
+            <a:ext cx="84841" cy="99536"/>
+          </a:xfrm>
+          <a:prstGeom prst="flowChartConnector">
+            <a:avLst/>
+          </a:prstGeom>
+        </p:spPr>
+        <p:style>
+          <a:lnRef idx="1">
+            <a:schemeClr val="accent6"/>
+          </a:lnRef>
+          <a:fillRef idx="3">
+            <a:schemeClr val="accent6"/>
+          </a:fillRef>
+          <a:effectRef idx="2">
+            <a:schemeClr val="accent6"/>
+          </a:effectRef>
+          <a:fontRef idx="minor">
+            <a:schemeClr val="lt1"/>
+          </a:fontRef>
+        </p:style>
+        <p:txBody>
+          <a:bodyPr rtlCol="0" anchor="ctr"/>
+          <a:lstStyle/>
+          <a:p>
+            <a:pPr algn="ctr"/>
+            <a:endParaRPr lang="en-US">
+              <a:solidFill>
+                <a:schemeClr val="tx1"/>
+              </a:solidFill>
+            </a:endParaRPr>
+          </a:p>
+        </p:txBody>
+      </p:sp>
+      <p:sp>
+        <p:nvSpPr>
+          <p:cNvPr id="21" name="Rectangle 3"/>
+          <p:cNvSpPr/>
+          <p:nvPr/>
+        </p:nvSpPr>
+        <p:spPr>
+          <a:xfrm>
+            <a:off x="1259632" y="2060848"/>
+            <a:ext cx="7066736" cy="369332"/>
+          </a:xfrm>
+          <a:prstGeom prst="rect">
+            <a:avLst/>
+          </a:prstGeom>
+        </p:spPr>
+        <p:txBody>
+          <a:bodyPr wrap="square">
+            <a:spAutoFit/>
+          </a:bodyPr>
+          <a:lstStyle/>
+          <a:p>
+            <a:r>
+              <a:rPr lang="en-US" u="sng" dirty="0" smtClean="0"/>
+              <a:t>User acceptance testing </a:t>
+            </a:r>
+            <a:r>
+              <a:rPr lang="en-US" dirty="0" smtClean="0"/>
+              <a:t>-</a:t>
+            </a:r>
+            <a:endParaRPr lang="en-US" dirty="0"/>
+          </a:p>
+        </p:txBody>
+      </p:sp>
+      <p:sp>
+        <p:nvSpPr>
+          <p:cNvPr id="22" name="Flowchart: Connector 12"/>
+          <p:cNvSpPr/>
+          <p:nvPr/>
+        </p:nvSpPr>
+        <p:spPr>
+          <a:xfrm>
+            <a:off x="899592" y="2203470"/>
+            <a:ext cx="84841" cy="99536"/>
+          </a:xfrm>
+          <a:prstGeom prst="flowChartConnector">
+            <a:avLst/>
+          </a:prstGeom>
+        </p:spPr>
+        <p:style>
+          <a:lnRef idx="1">
+            <a:schemeClr val="accent6"/>
+          </a:lnRef>
+          <a:fillRef idx="3">
+            <a:schemeClr val="accent6"/>
+          </a:fillRef>
+          <a:effectRef idx="2">
+            <a:schemeClr val="accent6"/>
+          </a:effectRef>
+          <a:fontRef idx="minor">
+            <a:schemeClr val="lt1"/>
+          </a:fontRef>
+        </p:style>
+        <p:txBody>
+          <a:bodyPr rtlCol="0" anchor="ctr"/>
+          <a:lstStyle/>
+          <a:p>
+            <a:pPr algn="ctr"/>
+            <a:endParaRPr lang="en-US">
+              <a:solidFill>
+                <a:schemeClr val="tx1"/>
+              </a:solidFill>
+            </a:endParaRPr>
+          </a:p>
+        </p:txBody>
+      </p:sp>
+    </p:spTree>
+    <p:extLst>
+      <p:ext uri="{BB962C8B-B14F-4D97-AF65-F5344CB8AC3E}">
+        <p14:creationId xmlns:p14="http://schemas.microsoft.com/office/powerpoint/2010/main" xmlns="" val="4060775951"/>
+      </p:ext>
+    </p:extLst>
+  </p:cSld>
+  <p:clrMapOvr>
+    <a:masterClrMapping/>
+  </p:clrMapOvr>
+  <mc:AlternateContent xmlns:mc="http://schemas.openxmlformats.org/markup-compatibility/2006">
+    <mc:Choice xmlns:p14="http://schemas.microsoft.com/office/powerpoint/2010/main" xmlns="" Requires="p14">
+      <p:transition spd="slow" p14:dur="2000"/>
+    </mc:Choice>
+    <mc:Fallback>
+      <p:transition spd="slow"/>
+    </mc:Fallback>
+  </mc:AlternateContent>
+  <p:timing>
+    <p:tnLst>
+      <p:par>
+        <p:cTn id="1" dur="indefinite" restart="never" nodeType="tmRoot"/>
+      </p:par>
+    </p:tnLst>
+  </p:timing>
+</p:sld>
+</file>
+
+<file path=ppt/slides/slide14.xml><?xml version="1.0" encoding="utf-8"?>
+<p:sld xmlns:a="http://schemas.openxmlformats.org/drawingml/2006/main" xmlns:r="http://schemas.openxmlformats.org/officeDocument/2006/relationships" xmlns:p="http://schemas.openxmlformats.org/presentationml/2006/main">
+  <p:cSld>
+    <p:spTree>
+      <p:nvGrpSpPr>
+        <p:cNvPr id="1" name=""/>
+        <p:cNvGrpSpPr/>
+        <p:nvPr/>
+      </p:nvGrpSpPr>
+      <p:grpSpPr>
+        <a:xfrm>
+          <a:off x="0" y="0"/>
+          <a:ext cx="0" cy="0"/>
+          <a:chOff x="0" y="0"/>
+          <a:chExt cx="0" cy="0"/>
+        </a:xfrm>
+      </p:grpSpPr>
       <p:pic>
         <p:nvPicPr>
           <p:cNvPr id="1026" name="Picture 2" descr="C:\Users\jkad\Desktop\Trainings\SoftReports\Pictures\1238776843_pic_id14985.jpeg"/>
@@ -6157,7 +8754,7 @@
           <a:blip r:embed="rId3" cstate="print">
             <a:extLst>
               <a:ext uri="{28A0092B-C50C-407E-A947-70E740481C1C}">
-                <a14:useLocalDpi xmlns="" xmlns:a14="http://schemas.microsoft.com/office/drawing/2010/main" val="0"/>
+                <a14:useLocalDpi xmlns:a14="http://schemas.microsoft.com/office/drawing/2010/main" xmlns="" val="0"/>
               </a:ext>
             </a:extLst>
           </a:blip>
@@ -6177,7 +8774,7 @@
           <a:noFill/>
           <a:extLst>
             <a:ext uri="{909E8E84-426E-40DD-AFC4-6F175D3DCCD1}">
-              <a14:hiddenFill xmlns="" xmlns:a14="http://schemas.microsoft.com/office/drawing/2010/main">
+              <a14:hiddenFill xmlns:a14="http://schemas.microsoft.com/office/drawing/2010/main" xmlns="">
                 <a:solidFill>
                   <a:srgbClr val="FFFFFF"/>
                 </a:solidFill>
@@ -6325,20 +8922,15 @@
           <a:p>
             <a:r>
               <a:rPr lang="en-US" b="1" dirty="0" smtClean="0"/>
-              <a:t>Remember and understand terms from the </a:t>
-            </a:r>
-            <a:r>
-              <a:rPr lang="en-US" b="1" dirty="0" smtClean="0"/>
-              <a:t>lesson</a:t>
-            </a:r>
-            <a:endParaRPr lang="en-US" b="1" dirty="0" smtClean="0"/>
+              <a:t>Remember and understand terms from the lesson</a:t>
+            </a:r>
           </a:p>
         </p:txBody>
       </p:sp>
     </p:spTree>
     <p:extLst>
       <p:ext uri="{BB962C8B-B14F-4D97-AF65-F5344CB8AC3E}">
-        <p14:creationId xmlns="" xmlns:p14="http://schemas.microsoft.com/office/powerpoint/2010/main" val="3400026356"/>
+        <p14:creationId xmlns:p14="http://schemas.microsoft.com/office/powerpoint/2010/main" xmlns="" val="3400026356"/>
       </p:ext>
     </p:extLst>
   </p:cSld>
@@ -6713,21 +9305,6 @@
               </a:rPr>
               <a:t>Home Task Questions</a:t>
             </a:r>
-            <a:endParaRPr lang="en-US" sz="3500" dirty="0" smtClean="0">
-              <a:solidFill>
-                <a:schemeClr val="tx1">
-                  <a:lumMod val="65000"/>
-                  <a:lumOff val="35000"/>
-                </a:schemeClr>
-              </a:solidFill>
-              <a:effectLst>
-                <a:outerShdw blurRad="38100" dist="38100" dir="2700000" algn="tl">
-                  <a:srgbClr val="000000">
-                    <a:alpha val="43137"/>
-                  </a:srgbClr>
-                </a:outerShdw>
-              </a:effectLst>
-            </a:endParaRPr>
           </a:p>
         </p:txBody>
       </p:sp>
@@ -6760,7 +9337,6 @@
               <a:rPr lang="en-US" sz="2000" i="1" dirty="0" smtClean="0"/>
               <a:t>???</a:t>
             </a:r>
-            <a:endParaRPr lang="en-US" sz="2000" i="1" dirty="0" smtClean="0"/>
           </a:p>
           <a:p>
             <a:pPr>
@@ -6778,14 +9354,13 @@
               <a:rPr lang="en-US" sz="2000" i="1" dirty="0" smtClean="0"/>
               <a:t>???</a:t>
             </a:r>
-            <a:endParaRPr lang="en-US" sz="2000" i="1" dirty="0" smtClean="0"/>
           </a:p>
         </p:txBody>
       </p:sp>
     </p:spTree>
     <p:extLst>
       <p:ext uri="{BB962C8B-B14F-4D97-AF65-F5344CB8AC3E}">
-        <p14:creationId xmlns="" xmlns:p14="http://schemas.microsoft.com/office/powerpoint/2010/main" val="3292176594"/>
+        <p14:creationId xmlns:p14="http://schemas.microsoft.com/office/powerpoint/2010/main" xmlns="" val="3292176594"/>
       </p:ext>
     </p:extLst>
   </p:cSld>
@@ -6987,35 +9562,6 @@
       </p:sp>
       <p:sp>
         <p:nvSpPr>
-          <p:cNvPr id="6" name="Rectangle 5"/>
-          <p:cNvSpPr/>
-          <p:nvPr/>
-        </p:nvSpPr>
-        <p:spPr>
-          <a:xfrm>
-            <a:off x="1295400" y="2450068"/>
-            <a:ext cx="4572000" cy="369332"/>
-          </a:xfrm>
-          <a:prstGeom prst="rect">
-            <a:avLst/>
-          </a:prstGeom>
-        </p:spPr>
-        <p:txBody>
-          <a:bodyPr>
-            <a:spAutoFit/>
-          </a:bodyPr>
-          <a:lstStyle/>
-          <a:p>
-            <a:r>
-              <a:rPr lang="en-US" dirty="0" smtClean="0"/>
-              <a:t>Test Types</a:t>
-            </a:r>
-            <a:endParaRPr lang="en-US" dirty="0"/>
-          </a:p>
-        </p:txBody>
-      </p:sp>
-      <p:sp>
-        <p:nvSpPr>
           <p:cNvPr id="7" name="Rectangle 6"/>
           <p:cNvSpPr/>
           <p:nvPr/>
@@ -7127,123 +9673,10 @@
           </a:p>
         </p:txBody>
       </p:sp>
-      <p:sp>
-        <p:nvSpPr>
-          <p:cNvPr id="15" name="Flowchart: Connector 14"/>
-          <p:cNvSpPr/>
-          <p:nvPr/>
-        </p:nvSpPr>
-        <p:spPr>
-          <a:xfrm>
-            <a:off x="945626" y="2584966"/>
-            <a:ext cx="84841" cy="99536"/>
-          </a:xfrm>
-          <a:prstGeom prst="flowChartConnector">
-            <a:avLst/>
-          </a:prstGeom>
-        </p:spPr>
-        <p:style>
-          <a:lnRef idx="1">
-            <a:schemeClr val="accent6"/>
-          </a:lnRef>
-          <a:fillRef idx="3">
-            <a:schemeClr val="accent6"/>
-          </a:fillRef>
-          <a:effectRef idx="2">
-            <a:schemeClr val="accent6"/>
-          </a:effectRef>
-          <a:fontRef idx="minor">
-            <a:schemeClr val="lt1"/>
-          </a:fontRef>
-        </p:style>
-        <p:txBody>
-          <a:bodyPr rtlCol="0" anchor="ctr"/>
-          <a:lstStyle/>
-          <a:p>
-            <a:pPr algn="ctr"/>
-            <a:endParaRPr lang="en-US">
-              <a:solidFill>
-                <a:schemeClr val="tx1"/>
-              </a:solidFill>
-            </a:endParaRPr>
-          </a:p>
-        </p:txBody>
-      </p:sp>
-      <p:sp>
-        <p:nvSpPr>
-          <p:cNvPr id="19" name="Rectangle 18"/>
-          <p:cNvSpPr/>
-          <p:nvPr/>
-        </p:nvSpPr>
-        <p:spPr>
-          <a:xfrm>
-            <a:off x="1295400" y="2998594"/>
-            <a:ext cx="6444952" cy="369332"/>
-          </a:xfrm>
-          <a:prstGeom prst="rect">
-            <a:avLst/>
-          </a:prstGeom>
-        </p:spPr>
-        <p:txBody>
-          <a:bodyPr wrap="square">
-            <a:spAutoFit/>
-          </a:bodyPr>
-          <a:lstStyle/>
-          <a:p>
-            <a:r>
-              <a:rPr lang="en-US" dirty="0" smtClean="0"/>
-              <a:t>Maintenance Testing</a:t>
-            </a:r>
-            <a:endParaRPr lang="en-US" dirty="0"/>
-          </a:p>
-        </p:txBody>
-      </p:sp>
-      <p:sp>
-        <p:nvSpPr>
-          <p:cNvPr id="20" name="Flowchart: Connector 19"/>
-          <p:cNvSpPr/>
-          <p:nvPr/>
-        </p:nvSpPr>
-        <p:spPr>
-          <a:xfrm>
-            <a:off x="944740" y="3133492"/>
-            <a:ext cx="84841" cy="99536"/>
-          </a:xfrm>
-          <a:prstGeom prst="flowChartConnector">
-            <a:avLst/>
-          </a:prstGeom>
-        </p:spPr>
-        <p:style>
-          <a:lnRef idx="1">
-            <a:schemeClr val="accent6"/>
-          </a:lnRef>
-          <a:fillRef idx="3">
-            <a:schemeClr val="accent6"/>
-          </a:fillRef>
-          <a:effectRef idx="2">
-            <a:schemeClr val="accent6"/>
-          </a:effectRef>
-          <a:fontRef idx="minor">
-            <a:schemeClr val="lt1"/>
-          </a:fontRef>
-        </p:style>
-        <p:txBody>
-          <a:bodyPr rtlCol="0" anchor="ctr"/>
-          <a:lstStyle/>
-          <a:p>
-            <a:pPr algn="ctr"/>
-            <a:endParaRPr lang="en-US">
-              <a:solidFill>
-                <a:schemeClr val="tx1"/>
-              </a:solidFill>
-            </a:endParaRPr>
-          </a:p>
-        </p:txBody>
-      </p:sp>
     </p:spTree>
     <p:extLst>
       <p:ext uri="{BB962C8B-B14F-4D97-AF65-F5344CB8AC3E}">
-        <p14:creationId xmlns="" xmlns:p14="http://schemas.microsoft.com/office/powerpoint/2010/main" val="4060775951"/>
+        <p14:creationId xmlns:p14="http://schemas.microsoft.com/office/powerpoint/2010/main" xmlns="" val="4060775951"/>
       </p:ext>
     </p:extLst>
   </p:cSld>
@@ -7251,7 +9684,7 @@
     <a:masterClrMapping/>
   </p:clrMapOvr>
   <mc:AlternateContent xmlns:mc="http://schemas.openxmlformats.org/markup-compatibility/2006">
-    <mc:Choice xmlns="" xmlns:p14="http://schemas.microsoft.com/office/powerpoint/2010/main" Requires="p14">
+    <mc:Choice xmlns:p14="http://schemas.microsoft.com/office/powerpoint/2010/main" xmlns="" Requires="p14">
       <p:transition spd="slow" p14:dur="2000"/>
     </mc:Choice>
     <mc:Fallback>
@@ -7441,11 +9874,7 @@
           <a:p>
             <a:r>
               <a:rPr lang="en-US" u="sng" dirty="0" smtClean="0"/>
-              <a:t>Iterative-incremental </a:t>
-            </a:r>
-            <a:r>
-              <a:rPr lang="en-US" u="sng" dirty="0" smtClean="0"/>
-              <a:t>development model </a:t>
+              <a:t>Iterative-incremental development model </a:t>
             </a:r>
             <a:r>
               <a:rPr lang="en-US" dirty="0" smtClean="0"/>
@@ -7725,7 +10154,7 @@
     </p:spTree>
     <p:extLst>
       <p:ext uri="{BB962C8B-B14F-4D97-AF65-F5344CB8AC3E}">
-        <p14:creationId xmlns="" xmlns:p14="http://schemas.microsoft.com/office/powerpoint/2010/main" val="4060775951"/>
+        <p14:creationId xmlns:p14="http://schemas.microsoft.com/office/powerpoint/2010/main" xmlns="" val="4060775951"/>
       </p:ext>
     </p:extLst>
   </p:cSld>
@@ -7733,7 +10162,7 @@
     <a:masterClrMapping/>
   </p:clrMapOvr>
   <mc:AlternateContent xmlns:mc="http://schemas.openxmlformats.org/markup-compatibility/2006">
-    <mc:Choice xmlns="" xmlns:p14="http://schemas.microsoft.com/office/powerpoint/2010/main" Requires="p14">
+    <mc:Choice xmlns:p14="http://schemas.microsoft.com/office/powerpoint/2010/main" xmlns="" Requires="p14">
       <p:transition spd="slow" p14:dur="2000"/>
     </mc:Choice>
     <mc:Fallback>
@@ -7923,7 +10352,7 @@
     </p:spTree>
     <p:extLst>
       <p:ext uri="{BB962C8B-B14F-4D97-AF65-F5344CB8AC3E}">
-        <p14:creationId xmlns="" xmlns:p14="http://schemas.microsoft.com/office/powerpoint/2010/main" val="4060775951"/>
+        <p14:creationId xmlns:p14="http://schemas.microsoft.com/office/powerpoint/2010/main" xmlns="" val="4060775951"/>
       </p:ext>
     </p:extLst>
   </p:cSld>
@@ -7931,7 +10360,7 @@
     <a:masterClrMapping/>
   </p:clrMapOvr>
   <mc:AlternateContent xmlns:mc="http://schemas.openxmlformats.org/markup-compatibility/2006">
-    <mc:Choice xmlns="" xmlns:p14="http://schemas.microsoft.com/office/powerpoint/2010/main" Requires="p14">
+    <mc:Choice xmlns:p14="http://schemas.microsoft.com/office/powerpoint/2010/main" xmlns="" Requires="p14">
       <p:transition spd="slow" p14:dur="2000"/>
     </mc:Choice>
     <mc:Fallback>
@@ -8068,7 +10497,7 @@
     </p:spTree>
     <p:extLst>
       <p:ext uri="{BB962C8B-B14F-4D97-AF65-F5344CB8AC3E}">
-        <p14:creationId xmlns="" xmlns:p14="http://schemas.microsoft.com/office/powerpoint/2010/main" val="4060775951"/>
+        <p14:creationId xmlns:p14="http://schemas.microsoft.com/office/powerpoint/2010/main" xmlns="" val="4060775951"/>
       </p:ext>
     </p:extLst>
   </p:cSld>
@@ -8076,7 +10505,7 @@
     <a:masterClrMapping/>
   </p:clrMapOvr>
   <mc:AlternateContent xmlns:mc="http://schemas.openxmlformats.org/markup-compatibility/2006">
-    <mc:Choice xmlns="" xmlns:p14="http://schemas.microsoft.com/office/powerpoint/2010/main" Requires="p14">
+    <mc:Choice xmlns:p14="http://schemas.microsoft.com/office/powerpoint/2010/main" xmlns="" Requires="p14">
       <p:transition spd="slow" p14:dur="2000"/>
     </mc:Choice>
     <mc:Fallback>
@@ -8148,41 +10577,8 @@
                   </a:outerShdw>
                 </a:effectLst>
               </a:rPr>
-              <a:t>Iterative-incremental </a:t>
-            </a:r>
-            <a:r>
-              <a:rPr lang="en-US" sz="3500" dirty="0" smtClean="0">
-                <a:solidFill>
-                  <a:schemeClr val="tx1">
-                    <a:lumMod val="65000"/>
-                    <a:lumOff val="35000"/>
-                  </a:schemeClr>
-                </a:solidFill>
-                <a:effectLst>
-                  <a:outerShdw blurRad="38100" dist="38100" dir="2700000" algn="tl">
-                    <a:srgbClr val="000000">
-                      <a:alpha val="43137"/>
-                    </a:srgbClr>
-                  </a:outerShdw>
-                </a:effectLst>
-              </a:rPr>
-              <a:t>Development Model</a:t>
-            </a:r>
-            <a:endParaRPr lang="en-US" sz="3500" dirty="0" smtClean="0">
-              <a:solidFill>
-                <a:schemeClr val="tx1">
-                  <a:lumMod val="65000"/>
-                  <a:lumOff val="35000"/>
-                </a:schemeClr>
-              </a:solidFill>
-              <a:effectLst>
-                <a:outerShdw blurRad="38100" dist="38100" dir="2700000" algn="tl">
-                  <a:srgbClr val="000000">
-                    <a:alpha val="43137"/>
-                  </a:srgbClr>
-                </a:outerShdw>
-              </a:effectLst>
-            </a:endParaRPr>
+              <a:t>Iterative-incremental Development Model</a:t>
+            </a:r>
           </a:p>
         </p:txBody>
       </p:sp>
@@ -8212,7 +10608,7 @@
     </p:spTree>
     <p:extLst>
       <p:ext uri="{BB962C8B-B14F-4D97-AF65-F5344CB8AC3E}">
-        <p14:creationId xmlns="" xmlns:p14="http://schemas.microsoft.com/office/powerpoint/2010/main" val="4060775951"/>
+        <p14:creationId xmlns:p14="http://schemas.microsoft.com/office/powerpoint/2010/main" xmlns="" val="4060775951"/>
       </p:ext>
     </p:extLst>
   </p:cSld>
@@ -8220,7 +10616,7 @@
     <a:masterClrMapping/>
   </p:clrMapOvr>
   <mc:AlternateContent xmlns:mc="http://schemas.openxmlformats.org/markup-compatibility/2006">
-    <mc:Choice xmlns="" xmlns:p14="http://schemas.microsoft.com/office/powerpoint/2010/main" Requires="p14">
+    <mc:Choice xmlns:p14="http://schemas.microsoft.com/office/powerpoint/2010/main" xmlns="" Requires="p14">
       <p:transition spd="slow" p14:dur="2000"/>
     </mc:Choice>
     <mc:Fallback>
@@ -8263,7 +10659,7 @@
         <p:spPr>
           <a:xfrm>
             <a:off x="457200" y="533400"/>
-            <a:ext cx="1278107" cy="630942"/>
+            <a:ext cx="5994654" cy="630942"/>
           </a:xfrm>
           <a:prstGeom prst="rect">
             <a:avLst/>
@@ -8292,7 +10688,7 @@
                   </a:outerShdw>
                 </a:effectLst>
               </a:rPr>
-              <a:t>Terms</a:t>
+              <a:t>Testing within a Life Cycle Mode</a:t>
             </a:r>
             <a:endParaRPr lang="en-US" sz="3500" dirty="0">
               <a:solidFill>
@@ -8321,7 +10717,7 @@
         <p:spPr>
           <a:xfrm>
             <a:off x="1249680" y="1362670"/>
-            <a:ext cx="7066736" cy="369332"/>
+            <a:ext cx="6850712" cy="369332"/>
           </a:xfrm>
           <a:prstGeom prst="rect">
             <a:avLst/>
@@ -8334,12 +10730,66 @@
           <a:lstStyle/>
           <a:p>
             <a:r>
-              <a:rPr lang="en-US" u="sng" dirty="0" smtClean="0"/>
-              <a:t>Alpha testing </a:t>
-            </a:r>
-            <a:r>
               <a:rPr lang="en-US" dirty="0" smtClean="0"/>
-              <a:t>-</a:t>
+              <a:t>For every development activity there is a corresponding testing activity</a:t>
+            </a:r>
+            <a:endParaRPr lang="en-US" dirty="0"/>
+          </a:p>
+        </p:txBody>
+      </p:sp>
+      <p:sp>
+        <p:nvSpPr>
+          <p:cNvPr id="6" name="Rectangle 5"/>
+          <p:cNvSpPr/>
+          <p:nvPr/>
+        </p:nvSpPr>
+        <p:spPr>
+          <a:xfrm>
+            <a:off x="1295400" y="2492896"/>
+            <a:ext cx="6732984" cy="646331"/>
+          </a:xfrm>
+          <a:prstGeom prst="rect">
+            <a:avLst/>
+          </a:prstGeom>
+        </p:spPr>
+        <p:txBody>
+          <a:bodyPr wrap="square">
+            <a:spAutoFit/>
+          </a:bodyPr>
+          <a:lstStyle/>
+          <a:p>
+            <a:r>
+              <a:rPr lang="en-US" dirty="0" smtClean="0"/>
+              <a:t>The analysis and design of tests for a given test level should begin during the corresponding development activity</a:t>
+            </a:r>
+            <a:endParaRPr lang="en-US" dirty="0"/>
+          </a:p>
+        </p:txBody>
+      </p:sp>
+      <p:sp>
+        <p:nvSpPr>
+          <p:cNvPr id="7" name="Rectangle 6"/>
+          <p:cNvSpPr/>
+          <p:nvPr/>
+        </p:nvSpPr>
+        <p:spPr>
+          <a:xfrm>
+            <a:off x="1249680" y="1916832"/>
+            <a:ext cx="6778704" cy="369332"/>
+          </a:xfrm>
+          <a:prstGeom prst="rect">
+            <a:avLst/>
+          </a:prstGeom>
+        </p:spPr>
+        <p:txBody>
+          <a:bodyPr wrap="square">
+            <a:spAutoFit/>
+          </a:bodyPr>
+          <a:lstStyle/>
+          <a:p>
+            <a:r>
+              <a:rPr lang="en-US" dirty="0" smtClean="0"/>
+              <a:t>Each test level has test objectives specific to that level</a:t>
             </a:r>
             <a:endParaRPr lang="en-US" dirty="0"/>
           </a:p>
@@ -8389,46 +10839,13 @@
       </p:sp>
       <p:sp>
         <p:nvSpPr>
-          <p:cNvPr id="21" name="Rectangle 3"/>
+          <p:cNvPr id="14" name="Flowchart: Connector 13"/>
           <p:cNvSpPr/>
           <p:nvPr/>
         </p:nvSpPr>
         <p:spPr>
           <a:xfrm>
-            <a:off x="1259632" y="2060848"/>
-            <a:ext cx="7066736" cy="369332"/>
-          </a:xfrm>
-          <a:prstGeom prst="rect">
-            <a:avLst/>
-          </a:prstGeom>
-        </p:spPr>
-        <p:txBody>
-          <a:bodyPr wrap="square">
-            <a:spAutoFit/>
-          </a:bodyPr>
-          <a:lstStyle/>
-          <a:p>
-            <a:r>
-              <a:rPr lang="en-US" u="sng" dirty="0" smtClean="0"/>
-              <a:t>Beta testing </a:t>
-            </a:r>
-            <a:r>
-              <a:rPr lang="en-US" dirty="0" smtClean="0"/>
-              <a:t>-</a:t>
-            </a:r>
-            <a:endParaRPr lang="en-US" dirty="0"/>
-          </a:p>
-        </p:txBody>
-      </p:sp>
-      <p:sp>
-        <p:nvSpPr>
-          <p:cNvPr id="22" name="Flowchart: Connector 12"/>
-          <p:cNvSpPr/>
-          <p:nvPr/>
-        </p:nvSpPr>
-        <p:spPr>
-          <a:xfrm>
-            <a:off x="899592" y="2203470"/>
+            <a:off x="931779" y="2051730"/>
             <a:ext cx="84841" cy="99536"/>
           </a:xfrm>
           <a:prstGeom prst="flowChartConnector">
@@ -8464,46 +10881,13 @@
       </p:sp>
       <p:sp>
         <p:nvSpPr>
-          <p:cNvPr id="23" name="Rectangle 3"/>
+          <p:cNvPr id="15" name="Flowchart: Connector 14"/>
           <p:cNvSpPr/>
           <p:nvPr/>
         </p:nvSpPr>
         <p:spPr>
           <a:xfrm>
-            <a:off x="1259632" y="2780928"/>
-            <a:ext cx="7066736" cy="369332"/>
-          </a:xfrm>
-          <a:prstGeom prst="rect">
-            <a:avLst/>
-          </a:prstGeom>
-        </p:spPr>
-        <p:txBody>
-          <a:bodyPr wrap="square">
-            <a:spAutoFit/>
-          </a:bodyPr>
-          <a:lstStyle/>
-          <a:p>
-            <a:r>
-              <a:rPr lang="en-US" u="sng" dirty="0" smtClean="0"/>
-              <a:t>Component testing</a:t>
-            </a:r>
-            <a:r>
-              <a:rPr lang="en-US" dirty="0" smtClean="0"/>
-              <a:t>-</a:t>
-            </a:r>
-            <a:endParaRPr lang="en-US" dirty="0"/>
-          </a:p>
-        </p:txBody>
-      </p:sp>
-      <p:sp>
-        <p:nvSpPr>
-          <p:cNvPr id="24" name="Flowchart: Connector 12"/>
-          <p:cNvSpPr/>
-          <p:nvPr/>
-        </p:nvSpPr>
-        <p:spPr>
-          <a:xfrm>
-            <a:off x="899592" y="2923550"/>
+            <a:off x="945626" y="2627794"/>
             <a:ext cx="84841" cy="99536"/>
           </a:xfrm>
           <a:prstGeom prst="flowChartConnector">
@@ -8539,14 +10923,14 @@
       </p:sp>
       <p:sp>
         <p:nvSpPr>
-          <p:cNvPr id="25" name="Rectangle 3"/>
+          <p:cNvPr id="19" name="Rectangle 18"/>
           <p:cNvSpPr/>
           <p:nvPr/>
         </p:nvSpPr>
         <p:spPr>
           <a:xfrm>
-            <a:off x="1249680" y="3429000"/>
-            <a:ext cx="7066736" cy="369332"/>
+            <a:off x="1295400" y="3429000"/>
+            <a:ext cx="6444952" cy="646331"/>
           </a:xfrm>
           <a:prstGeom prst="rect">
             <a:avLst/>
@@ -8559,12 +10943,8 @@
           <a:lstStyle/>
           <a:p>
             <a:r>
-              <a:rPr lang="en-US" u="sng" dirty="0" smtClean="0"/>
-              <a:t>Driver </a:t>
-            </a:r>
-            <a:r>
               <a:rPr lang="en-US" dirty="0" smtClean="0"/>
-              <a:t>-</a:t>
+              <a:t>Testers should be involved in reviewing documents as soon as drafts are available in the development life cycle</a:t>
             </a:r>
             <a:endParaRPr lang="en-US" dirty="0"/>
           </a:p>
@@ -8572,13 +10952,13 @@
       </p:sp>
       <p:sp>
         <p:nvSpPr>
-          <p:cNvPr id="26" name="Flowchart: Connector 12"/>
+          <p:cNvPr id="20" name="Flowchart: Connector 19"/>
           <p:cNvSpPr/>
           <p:nvPr/>
         </p:nvSpPr>
         <p:spPr>
           <a:xfrm>
-            <a:off x="889640" y="3571622"/>
+            <a:off x="944740" y="3563898"/>
             <a:ext cx="84841" cy="99536"/>
           </a:xfrm>
           <a:prstGeom prst="flowChartConnector">
@@ -8612,85 +10992,10 @@
           </a:p>
         </p:txBody>
       </p:sp>
-      <p:sp>
-        <p:nvSpPr>
-          <p:cNvPr id="27" name="Rectangle 3"/>
-          <p:cNvSpPr/>
-          <p:nvPr/>
-        </p:nvSpPr>
-        <p:spPr>
-          <a:xfrm>
-            <a:off x="1249680" y="5014917"/>
-            <a:ext cx="6634688" cy="369332"/>
-          </a:xfrm>
-          <a:prstGeom prst="rect">
-            <a:avLst/>
-          </a:prstGeom>
-        </p:spPr>
-        <p:txBody>
-          <a:bodyPr wrap="square">
-            <a:spAutoFit/>
-          </a:bodyPr>
-          <a:lstStyle/>
-          <a:p>
-            <a:r>
-              <a:rPr lang="en-US" u="sng" dirty="0" smtClean="0"/>
-              <a:t>Field testing </a:t>
-            </a:r>
-            <a:r>
-              <a:rPr lang="en-US" dirty="0" smtClean="0"/>
-              <a:t>-</a:t>
-            </a:r>
-            <a:endParaRPr lang="en-US" dirty="0"/>
-          </a:p>
-        </p:txBody>
-      </p:sp>
-      <p:sp>
-        <p:nvSpPr>
-          <p:cNvPr id="28" name="Flowchart: Connector 12"/>
-          <p:cNvSpPr/>
-          <p:nvPr/>
-        </p:nvSpPr>
-        <p:spPr>
-          <a:xfrm>
-            <a:off x="889640" y="5157539"/>
-            <a:ext cx="84841" cy="99536"/>
-          </a:xfrm>
-          <a:prstGeom prst="flowChartConnector">
-            <a:avLst/>
-          </a:prstGeom>
-        </p:spPr>
-        <p:style>
-          <a:lnRef idx="1">
-            <a:schemeClr val="accent6"/>
-          </a:lnRef>
-          <a:fillRef idx="3">
-            <a:schemeClr val="accent6"/>
-          </a:fillRef>
-          <a:effectRef idx="2">
-            <a:schemeClr val="accent6"/>
-          </a:effectRef>
-          <a:fontRef idx="minor">
-            <a:schemeClr val="lt1"/>
-          </a:fontRef>
-        </p:style>
-        <p:txBody>
-          <a:bodyPr rtlCol="0" anchor="ctr"/>
-          <a:lstStyle/>
-          <a:p>
-            <a:pPr algn="ctr"/>
-            <a:endParaRPr lang="en-US">
-              <a:solidFill>
-                <a:schemeClr val="tx1"/>
-              </a:solidFill>
-            </a:endParaRPr>
-          </a:p>
-        </p:txBody>
-      </p:sp>
     </p:spTree>
     <p:extLst>
       <p:ext uri="{BB962C8B-B14F-4D97-AF65-F5344CB8AC3E}">
-        <p14:creationId xmlns="" xmlns:p14="http://schemas.microsoft.com/office/powerpoint/2010/main" val="4060775951"/>
+        <p14:creationId xmlns:p14="http://schemas.microsoft.com/office/powerpoint/2010/main" xmlns="" val="4060775951"/>
       </p:ext>
     </p:extLst>
   </p:cSld>
@@ -8698,7 +11003,7 @@
     <a:masterClrMapping/>
   </p:clrMapOvr>
   <mc:AlternateContent xmlns:mc="http://schemas.openxmlformats.org/markup-compatibility/2006">
-    <mc:Choice xmlns="" xmlns:p14="http://schemas.microsoft.com/office/powerpoint/2010/main" Requires="p14">
+    <mc:Choice xmlns:p14="http://schemas.microsoft.com/office/powerpoint/2010/main" xmlns="" Requires="p14">
       <p:transition spd="slow" p14:dur="2000"/>
     </mc:Choice>
     <mc:Fallback>
@@ -8741,7 +11046,7 @@
         <p:spPr>
           <a:xfrm>
             <a:off x="457200" y="533400"/>
-            <a:ext cx="3967112" cy="630942"/>
+            <a:ext cx="2117696" cy="630942"/>
           </a:xfrm>
           <a:prstGeom prst="rect">
             <a:avLst/>
@@ -8770,7 +11075,7 @@
                   </a:outerShdw>
                 </a:effectLst>
               </a:rPr>
-              <a:t>Terms (continuation)</a:t>
+              <a:t>Test Levels</a:t>
             </a:r>
             <a:endParaRPr lang="en-US" sz="3500" dirty="0">
               <a:solidFill>
@@ -8799,7 +11104,7 @@
         <p:spPr>
           <a:xfrm>
             <a:off x="1249680" y="1362670"/>
-            <a:ext cx="7066736" cy="369332"/>
+            <a:ext cx="6850712" cy="369332"/>
           </a:xfrm>
           <a:prstGeom prst="rect">
             <a:avLst/>
@@ -8812,12 +11117,86 @@
           <a:lstStyle/>
           <a:p>
             <a:r>
-              <a:rPr lang="en-US" u="sng" dirty="0" smtClean="0"/>
-              <a:t>Functional requirement </a:t>
-            </a:r>
-            <a:r>
               <a:rPr lang="en-US" dirty="0" smtClean="0"/>
-              <a:t>-</a:t>
+              <a:t>Component testing</a:t>
+            </a:r>
+            <a:endParaRPr lang="en-US" dirty="0"/>
+          </a:p>
+        </p:txBody>
+      </p:sp>
+      <p:sp>
+        <p:nvSpPr>
+          <p:cNvPr id="6" name="Rectangle 5"/>
+          <p:cNvSpPr/>
+          <p:nvPr/>
+        </p:nvSpPr>
+        <p:spPr>
+          <a:xfrm>
+            <a:off x="1295400" y="3140968"/>
+            <a:ext cx="6732984" cy="369332"/>
+          </a:xfrm>
+          <a:prstGeom prst="rect">
+            <a:avLst/>
+          </a:prstGeom>
+        </p:spPr>
+        <p:txBody>
+          <a:bodyPr wrap="square">
+            <a:spAutoFit/>
+          </a:bodyPr>
+          <a:lstStyle/>
+          <a:p>
+            <a:r>
+              <a:rPr lang="en-US" dirty="0" smtClean="0"/>
+              <a:t>System testing</a:t>
+            </a:r>
+            <a:endParaRPr lang="en-US" dirty="0"/>
+          </a:p>
+        </p:txBody>
+      </p:sp>
+      <p:sp>
+        <p:nvSpPr>
+          <p:cNvPr id="7" name="Rectangle 6"/>
+          <p:cNvSpPr/>
+          <p:nvPr/>
+        </p:nvSpPr>
+        <p:spPr>
+          <a:xfrm>
+            <a:off x="1249680" y="1916832"/>
+            <a:ext cx="6778704" cy="923330"/>
+          </a:xfrm>
+          <a:prstGeom prst="rect">
+            <a:avLst/>
+          </a:prstGeom>
+        </p:spPr>
+        <p:txBody>
+          <a:bodyPr wrap="square">
+            <a:spAutoFit/>
+          </a:bodyPr>
+          <a:lstStyle/>
+          <a:p>
+            <a:r>
+              <a:rPr lang="en-US" dirty="0" smtClean="0"/>
+              <a:t>Integration testing</a:t>
+            </a:r>
+          </a:p>
+          <a:p>
+            <a:pPr lvl="1">
+              <a:buFont typeface="Wingdings" pitchFamily="2" charset="2"/>
+              <a:buChar char="Ø"/>
+            </a:pPr>
+            <a:r>
+              <a:rPr lang="en-US" dirty="0" smtClean="0"/>
+              <a:t>Component integration testing</a:t>
+            </a:r>
+          </a:p>
+          <a:p>
+            <a:pPr lvl="1">
+              <a:buFont typeface="Wingdings" pitchFamily="2" charset="2"/>
+              <a:buChar char="Ø"/>
+            </a:pPr>
+            <a:r>
+              <a:rPr lang="en-US" dirty="0" smtClean="0"/>
+              <a:t>System integration testing</a:t>
             </a:r>
             <a:endParaRPr lang="en-US" dirty="0"/>
           </a:p>
@@ -8867,46 +11246,13 @@
       </p:sp>
       <p:sp>
         <p:nvSpPr>
-          <p:cNvPr id="21" name="Rectangle 3"/>
+          <p:cNvPr id="14" name="Flowchart: Connector 13"/>
           <p:cNvSpPr/>
           <p:nvPr/>
         </p:nvSpPr>
         <p:spPr>
           <a:xfrm>
-            <a:off x="1259632" y="2060848"/>
-            <a:ext cx="7066736" cy="369332"/>
-          </a:xfrm>
-          <a:prstGeom prst="rect">
-            <a:avLst/>
-          </a:prstGeom>
-        </p:spPr>
-        <p:txBody>
-          <a:bodyPr wrap="square">
-            <a:spAutoFit/>
-          </a:bodyPr>
-          <a:lstStyle/>
-          <a:p>
-            <a:r>
-              <a:rPr lang="en-US" u="sng" dirty="0" smtClean="0"/>
-              <a:t>Integration </a:t>
-            </a:r>
-            <a:r>
-              <a:rPr lang="en-US" dirty="0" smtClean="0"/>
-              <a:t>-</a:t>
-            </a:r>
-            <a:endParaRPr lang="en-US" dirty="0"/>
-          </a:p>
-        </p:txBody>
-      </p:sp>
-      <p:sp>
-        <p:nvSpPr>
-          <p:cNvPr id="22" name="Flowchart: Connector 12"/>
-          <p:cNvSpPr/>
-          <p:nvPr/>
-        </p:nvSpPr>
-        <p:spPr>
-          <a:xfrm>
-            <a:off x="899592" y="2203470"/>
+            <a:off x="931779" y="2051730"/>
             <a:ext cx="84841" cy="99536"/>
           </a:xfrm>
           <a:prstGeom prst="flowChartConnector">
@@ -8942,46 +11288,13 @@
       </p:sp>
       <p:sp>
         <p:nvSpPr>
-          <p:cNvPr id="23" name="Rectangle 3"/>
+          <p:cNvPr id="15" name="Flowchart: Connector 14"/>
           <p:cNvSpPr/>
           <p:nvPr/>
         </p:nvSpPr>
         <p:spPr>
           <a:xfrm>
-            <a:off x="1259632" y="2780928"/>
-            <a:ext cx="7066736" cy="369332"/>
-          </a:xfrm>
-          <a:prstGeom prst="rect">
-            <a:avLst/>
-          </a:prstGeom>
-        </p:spPr>
-        <p:txBody>
-          <a:bodyPr wrap="square">
-            <a:spAutoFit/>
-          </a:bodyPr>
-          <a:lstStyle/>
-          <a:p>
-            <a:r>
-              <a:rPr lang="en-US" u="sng" dirty="0" smtClean="0"/>
-              <a:t>Integration testing</a:t>
-            </a:r>
-            <a:r>
-              <a:rPr lang="en-US" dirty="0" smtClean="0"/>
-              <a:t>-</a:t>
-            </a:r>
-            <a:endParaRPr lang="en-US" dirty="0"/>
-          </a:p>
-        </p:txBody>
-      </p:sp>
-      <p:sp>
-        <p:nvSpPr>
-          <p:cNvPr id="24" name="Flowchart: Connector 12"/>
-          <p:cNvSpPr/>
-          <p:nvPr/>
-        </p:nvSpPr>
-        <p:spPr>
-          <a:xfrm>
-            <a:off x="899592" y="2923550"/>
+            <a:off x="945626" y="3275866"/>
             <a:ext cx="84841" cy="99536"/>
           </a:xfrm>
           <a:prstGeom prst="flowChartConnector">
@@ -9017,14 +11330,14 @@
       </p:sp>
       <p:sp>
         <p:nvSpPr>
-          <p:cNvPr id="25" name="Rectangle 3"/>
+          <p:cNvPr id="19" name="Rectangle 18"/>
           <p:cNvSpPr/>
           <p:nvPr/>
         </p:nvSpPr>
         <p:spPr>
           <a:xfrm>
-            <a:off x="1249680" y="3429000"/>
-            <a:ext cx="7066736" cy="369332"/>
+            <a:off x="1295400" y="3645024"/>
+            <a:ext cx="6444952" cy="1754326"/>
           </a:xfrm>
           <a:prstGeom prst="rect">
             <a:avLst/>
@@ -9037,12 +11350,58 @@
           <a:lstStyle/>
           <a:p>
             <a:r>
-              <a:rPr lang="en-US" u="sng" dirty="0" smtClean="0"/>
-              <a:t>Non-functional requirement </a:t>
-            </a:r>
-            <a:r>
               <a:rPr lang="en-US" dirty="0" smtClean="0"/>
-              <a:t>-</a:t>
+              <a:t>Acceptance testing</a:t>
+            </a:r>
+          </a:p>
+          <a:p>
+            <a:pPr lvl="1">
+              <a:buFont typeface="Wingdings" pitchFamily="2" charset="2"/>
+              <a:buChar char="Ø"/>
+            </a:pPr>
+            <a:r>
+              <a:rPr lang="en-US" dirty="0" smtClean="0"/>
+              <a:t>User acceptance testing</a:t>
+            </a:r>
+          </a:p>
+          <a:p>
+            <a:pPr lvl="1">
+              <a:buFont typeface="Wingdings" pitchFamily="2" charset="2"/>
+              <a:buChar char="Ø"/>
+            </a:pPr>
+            <a:r>
+              <a:rPr lang="en-US" dirty="0" smtClean="0"/>
+              <a:t>Operation (acceptance) testing</a:t>
+            </a:r>
+          </a:p>
+          <a:p>
+            <a:pPr lvl="1">
+              <a:buFont typeface="Wingdings" pitchFamily="2" charset="2"/>
+              <a:buChar char="Ø"/>
+            </a:pPr>
+            <a:r>
+              <a:rPr lang="en-US" dirty="0" smtClean="0"/>
+              <a:t>Contract and regulation acceptance testing</a:t>
+            </a:r>
+          </a:p>
+          <a:p>
+            <a:pPr lvl="1">
+              <a:buFont typeface="Wingdings" pitchFamily="2" charset="2"/>
+              <a:buChar char="Ø"/>
+            </a:pPr>
+            <a:r>
+              <a:rPr lang="en-US" dirty="0" smtClean="0"/>
+              <a:t>Alpha testing</a:t>
+            </a:r>
+          </a:p>
+          <a:p>
+            <a:pPr lvl="1">
+              <a:buFont typeface="Wingdings" pitchFamily="2" charset="2"/>
+              <a:buChar char="Ø"/>
+            </a:pPr>
+            <a:r>
+              <a:rPr lang="en-US" dirty="0" smtClean="0"/>
+              <a:t>Beta (or Field) testing</a:t>
             </a:r>
             <a:endParaRPr lang="en-US" dirty="0"/>
           </a:p>
@@ -9050,13 +11409,13 @@
       </p:sp>
       <p:sp>
         <p:nvSpPr>
-          <p:cNvPr id="26" name="Flowchart: Connector 12"/>
+          <p:cNvPr id="20" name="Flowchart: Connector 19"/>
           <p:cNvSpPr/>
           <p:nvPr/>
         </p:nvSpPr>
         <p:spPr>
           <a:xfrm>
-            <a:off x="889640" y="3571622"/>
+            <a:off x="944740" y="3779922"/>
             <a:ext cx="84841" cy="99536"/>
           </a:xfrm>
           <a:prstGeom prst="flowChartConnector">
@@ -9090,89 +11449,10 @@
           </a:p>
         </p:txBody>
       </p:sp>
-      <p:sp>
-        <p:nvSpPr>
-          <p:cNvPr id="27" name="Rectangle 3"/>
-          <p:cNvSpPr/>
-          <p:nvPr/>
-        </p:nvSpPr>
-        <p:spPr>
-          <a:xfrm>
-            <a:off x="1249680" y="5014917"/>
-            <a:ext cx="6634688" cy="369332"/>
-          </a:xfrm>
-          <a:prstGeom prst="rect">
-            <a:avLst/>
-          </a:prstGeom>
-        </p:spPr>
-        <p:txBody>
-          <a:bodyPr wrap="square">
-            <a:spAutoFit/>
-          </a:bodyPr>
-          <a:lstStyle/>
-          <a:p>
-            <a:r>
-              <a:rPr lang="en-US" u="sng" dirty="0" smtClean="0"/>
-              <a:t>Robustness </a:t>
-            </a:r>
-            <a:r>
-              <a:rPr lang="en-US" u="sng" dirty="0" smtClean="0"/>
-              <a:t>testing </a:t>
-            </a:r>
-            <a:r>
-              <a:rPr lang="en-US" dirty="0" smtClean="0"/>
-              <a:t>-</a:t>
-            </a:r>
-            <a:endParaRPr lang="en-US" dirty="0"/>
-          </a:p>
-        </p:txBody>
-      </p:sp>
-      <p:sp>
-        <p:nvSpPr>
-          <p:cNvPr id="28" name="Flowchart: Connector 12"/>
-          <p:cNvSpPr/>
-          <p:nvPr/>
-        </p:nvSpPr>
-        <p:spPr>
-          <a:xfrm>
-            <a:off x="889640" y="5157539"/>
-            <a:ext cx="84841" cy="99536"/>
-          </a:xfrm>
-          <a:prstGeom prst="flowChartConnector">
-            <a:avLst/>
-          </a:prstGeom>
-        </p:spPr>
-        <p:style>
-          <a:lnRef idx="1">
-            <a:schemeClr val="accent6"/>
-          </a:lnRef>
-          <a:fillRef idx="3">
-            <a:schemeClr val="accent6"/>
-          </a:fillRef>
-          <a:effectRef idx="2">
-            <a:schemeClr val="accent6"/>
-          </a:effectRef>
-          <a:fontRef idx="minor">
-            <a:schemeClr val="lt1"/>
-          </a:fontRef>
-        </p:style>
-        <p:txBody>
-          <a:bodyPr rtlCol="0" anchor="ctr"/>
-          <a:lstStyle/>
-          <a:p>
-            <a:pPr algn="ctr"/>
-            <a:endParaRPr lang="en-US">
-              <a:solidFill>
-                <a:schemeClr val="tx1"/>
-              </a:solidFill>
-            </a:endParaRPr>
-          </a:p>
-        </p:txBody>
-      </p:sp>
     </p:spTree>
     <p:extLst>
       <p:ext uri="{BB962C8B-B14F-4D97-AF65-F5344CB8AC3E}">
-        <p14:creationId xmlns="" xmlns:p14="http://schemas.microsoft.com/office/powerpoint/2010/main" val="4060775951"/>
+        <p14:creationId xmlns:p14="http://schemas.microsoft.com/office/powerpoint/2010/main" xmlns="" val="4060775951"/>
       </p:ext>
     </p:extLst>
   </p:cSld>
@@ -9180,7 +11460,7 @@
     <a:masterClrMapping/>
   </p:clrMapOvr>
   <mc:AlternateContent xmlns:mc="http://schemas.openxmlformats.org/markup-compatibility/2006">
-    <mc:Choice xmlns="" xmlns:p14="http://schemas.microsoft.com/office/powerpoint/2010/main" Requires="p14">
+    <mc:Choice xmlns:p14="http://schemas.microsoft.com/office/powerpoint/2010/main" xmlns="" Requires="p14">
       <p:transition spd="slow" p14:dur="2000"/>
     </mc:Choice>
     <mc:Fallback>
